--- a/2022-Scipy_presentation.pptx
+++ b/2022-Scipy_presentation.pptx
@@ -21,6 +21,8 @@
     <p:sldId id="258" r:id="rId15"/>
     <p:sldId id="402" r:id="rId16"/>
     <p:sldId id="403" r:id="rId17"/>
+    <p:sldId id="404" r:id="rId18"/>
+    <p:sldId id="405" r:id="rId19"/>
   </p:sldIdLst>
   <p:sldSz cx="12192000" cy="6858000"/>
   <p:notesSz cx="6858000" cy="9144000"/>
@@ -9237,6 +9239,1159 @@
 </p:sld>
 </file>
 
+<file path=ppt/slides/slide17.xml><?xml version="1.0" encoding="utf-8"?>
+<p:sld xmlns:a="http://schemas.openxmlformats.org/drawingml/2006/main" xmlns:r="http://schemas.openxmlformats.org/officeDocument/2006/relationships" xmlns:p="http://schemas.openxmlformats.org/presentationml/2006/main">
+  <p:cSld>
+    <p:spTree>
+      <p:nvGrpSpPr>
+        <p:cNvPr id="1" name=""/>
+        <p:cNvGrpSpPr/>
+        <p:nvPr/>
+      </p:nvGrpSpPr>
+      <p:grpSpPr>
+        <a:xfrm>
+          <a:off x="0" y="0"/>
+          <a:ext cx="0" cy="0"/>
+          <a:chOff x="0" y="0"/>
+          <a:chExt cx="0" cy="0"/>
+        </a:xfrm>
+      </p:grpSpPr>
+      <p:sp>
+        <p:nvSpPr>
+          <p:cNvPr id="3" name="TextBox 2">
+            <a:extLst>
+              <a:ext uri="{FF2B5EF4-FFF2-40B4-BE49-F238E27FC236}">
+                <a16:creationId xmlns:a16="http://schemas.microsoft.com/office/drawing/2014/main" id="{D22182D6-21D5-EA78-420B-EC66565F7ABC}"/>
+              </a:ext>
+            </a:extLst>
+          </p:cNvPr>
+          <p:cNvSpPr txBox="1"/>
+          <p:nvPr/>
+        </p:nvSpPr>
+        <p:spPr>
+          <a:xfrm>
+            <a:off x="1059581" y="664862"/>
+            <a:ext cx="9296578" cy="6247864"/>
+          </a:xfrm>
+          <a:prstGeom prst="rect">
+            <a:avLst/>
+          </a:prstGeom>
+          <a:noFill/>
+        </p:spPr>
+        <p:txBody>
+          <a:bodyPr wrap="square">
+            <a:spAutoFit/>
+          </a:bodyPr>
+          <a:lstStyle/>
+          <a:p>
+            <a:r>
+              <a:rPr lang="ru-RU" sz="800" b="1" dirty="0">
+                <a:latin typeface="Times New Roman" panose="02020603050405020304" pitchFamily="18" charset="0"/>
+                <a:ea typeface="Times New Roman" panose="02020603050405020304" pitchFamily="18" charset="0"/>
+                <a:cs typeface="Times New Roman" panose="02020603050405020304" pitchFamily="18" charset="0"/>
+              </a:rPr>
+              <a:t> </a:t>
+            </a:r>
+          </a:p>
+          <a:p>
+            <a:r>
+              <a:rPr lang="en-US" sz="2800" b="1" dirty="0">
+                <a:latin typeface="Arial" panose="020B0604020202020204" pitchFamily="34" charset="0"/>
+                <a:ea typeface="Times New Roman" panose="02020603050405020304" pitchFamily="18" charset="0"/>
+                <a:cs typeface="Arial" panose="020B0604020202020204" pitchFamily="34" charset="0"/>
+              </a:rPr>
+              <a:t>       Code Organization</a:t>
+            </a:r>
+          </a:p>
+          <a:p>
+            <a:endParaRPr lang="en-US" sz="2800" b="1" dirty="0">
+              <a:latin typeface="Arial" panose="020B0604020202020204" pitchFamily="34" charset="0"/>
+              <a:ea typeface="Times New Roman" panose="02020603050405020304" pitchFamily="18" charset="0"/>
+              <a:cs typeface="Arial" panose="020B0604020202020204" pitchFamily="34" charset="0"/>
+            </a:endParaRPr>
+          </a:p>
+          <a:p>
+            <a:r>
+              <a:rPr lang="en-US" sz="2800" b="1" dirty="0" err="1">
+                <a:latin typeface="Arial" panose="020B0604020202020204" pitchFamily="34" charset="0"/>
+                <a:ea typeface="Times New Roman" panose="02020603050405020304" pitchFamily="18" charset="0"/>
+                <a:cs typeface="Arial" panose="020B0604020202020204" pitchFamily="34" charset="0"/>
+              </a:rPr>
+              <a:t>MinPy</a:t>
+            </a:r>
+            <a:r>
+              <a:rPr lang="en-US" sz="2800" b="1" dirty="0">
+                <a:latin typeface="Arial" panose="020B0604020202020204" pitchFamily="34" charset="0"/>
+                <a:ea typeface="Times New Roman" panose="02020603050405020304" pitchFamily="18" charset="0"/>
+                <a:cs typeface="Arial" panose="020B0604020202020204" pitchFamily="34" charset="0"/>
+              </a:rPr>
+              <a:t> library’s main class is called Minimization. Its methods are building blocks for creating your own optimization strategies. </a:t>
+            </a:r>
+          </a:p>
+          <a:p>
+            <a:endParaRPr lang="en-US" sz="2800" b="1" dirty="0">
+              <a:latin typeface="Arial" panose="020B0604020202020204" pitchFamily="34" charset="0"/>
+              <a:ea typeface="Times New Roman" panose="02020603050405020304" pitchFamily="18" charset="0"/>
+              <a:cs typeface="Arial" panose="020B0604020202020204" pitchFamily="34" charset="0"/>
+            </a:endParaRPr>
+          </a:p>
+          <a:p>
+            <a:r>
+              <a:rPr lang="en-US" sz="2800" b="1" dirty="0">
+                <a:latin typeface="Arial" panose="020B0604020202020204" pitchFamily="34" charset="0"/>
+                <a:ea typeface="Times New Roman" panose="02020603050405020304" pitchFamily="18" charset="0"/>
+                <a:cs typeface="Arial" panose="020B0604020202020204" pitchFamily="34" charset="0"/>
+              </a:rPr>
+              <a:t>A new strategy should be created as follows: </a:t>
+            </a:r>
+          </a:p>
+          <a:p>
+            <a:r>
+              <a:rPr lang="en-US" sz="2800" b="1" dirty="0">
+                <a:latin typeface="Arial" panose="020B0604020202020204" pitchFamily="34" charset="0"/>
+                <a:ea typeface="Times New Roman" panose="02020603050405020304" pitchFamily="18" charset="0"/>
+                <a:cs typeface="Arial" panose="020B0604020202020204" pitchFamily="34" charset="0"/>
+              </a:rPr>
+              <a:t>Create a class that inherits from Minimization class.</a:t>
+            </a:r>
+          </a:p>
+          <a:p>
+            <a:r>
+              <a:rPr lang="en-US" sz="2800" b="1" dirty="0">
+                <a:latin typeface="Arial" panose="020B0604020202020204" pitchFamily="34" charset="0"/>
+                <a:ea typeface="Times New Roman" panose="02020603050405020304" pitchFamily="18" charset="0"/>
+                <a:cs typeface="Arial" panose="020B0604020202020204" pitchFamily="34" charset="0"/>
+              </a:rPr>
+              <a:t>Add a method that implements your strategy. It </a:t>
+            </a:r>
+            <a:r>
+              <a:rPr lang="en-US" sz="2800" b="1" dirty="0" err="1">
+                <a:latin typeface="Arial" panose="020B0604020202020204" pitchFamily="34" charset="0"/>
+                <a:ea typeface="Times New Roman" panose="02020603050405020304" pitchFamily="18" charset="0"/>
+                <a:cs typeface="Arial" panose="020B0604020202020204" pitchFamily="34" charset="0"/>
+              </a:rPr>
+              <a:t>shoulduse</a:t>
+            </a:r>
+            <a:r>
+              <a:rPr lang="en-US" sz="2800" b="1" dirty="0">
+                <a:latin typeface="Arial" panose="020B0604020202020204" pitchFamily="34" charset="0"/>
+                <a:ea typeface="Times New Roman" panose="02020603050405020304" pitchFamily="18" charset="0"/>
+                <a:cs typeface="Arial" panose="020B0604020202020204" pitchFamily="34" charset="0"/>
+              </a:rPr>
+              <a:t> the building blocks provided in </a:t>
+            </a:r>
+            <a:r>
+              <a:rPr lang="en-US" sz="2800" b="1" dirty="0" err="1">
+                <a:latin typeface="Arial" panose="020B0604020202020204" pitchFamily="34" charset="0"/>
+                <a:ea typeface="Times New Roman" panose="02020603050405020304" pitchFamily="18" charset="0"/>
+                <a:cs typeface="Arial" panose="020B0604020202020204" pitchFamily="34" charset="0"/>
+              </a:rPr>
+              <a:t>Miimization</a:t>
+            </a:r>
+            <a:r>
+              <a:rPr lang="en-US" sz="2800" b="1" dirty="0">
+                <a:latin typeface="Arial" panose="020B0604020202020204" pitchFamily="34" charset="0"/>
+                <a:ea typeface="Times New Roman" panose="02020603050405020304" pitchFamily="18" charset="0"/>
+                <a:cs typeface="Arial" panose="020B0604020202020204" pitchFamily="34" charset="0"/>
+              </a:rPr>
+              <a:t> </a:t>
+            </a:r>
+            <a:r>
+              <a:rPr lang="en-US" sz="2800" b="1">
+                <a:latin typeface="Arial" panose="020B0604020202020204" pitchFamily="34" charset="0"/>
+                <a:ea typeface="Times New Roman" panose="02020603050405020304" pitchFamily="18" charset="0"/>
+                <a:cs typeface="Arial" panose="020B0604020202020204" pitchFamily="34" charset="0"/>
+              </a:rPr>
+              <a:t>class. </a:t>
+            </a:r>
+            <a:endParaRPr lang="en-US" sz="2800" b="1" dirty="0">
+              <a:latin typeface="Arial" panose="020B0604020202020204" pitchFamily="34" charset="0"/>
+              <a:ea typeface="Times New Roman" panose="02020603050405020304" pitchFamily="18" charset="0"/>
+              <a:cs typeface="Arial" panose="020B0604020202020204" pitchFamily="34" charset="0"/>
+            </a:endParaRPr>
+          </a:p>
+          <a:p>
+            <a:r>
+              <a:rPr lang="en-US" sz="2800" b="1" dirty="0">
+                <a:latin typeface="Arial" panose="020B0604020202020204" pitchFamily="34" charset="0"/>
+                <a:ea typeface="Times New Roman" panose="02020603050405020304" pitchFamily="18" charset="0"/>
+                <a:cs typeface="Arial" panose="020B0604020202020204" pitchFamily="34" charset="0"/>
+              </a:rPr>
+              <a:t> </a:t>
+            </a:r>
+          </a:p>
+          <a:p>
+            <a:endParaRPr lang="en-US" sz="2800" b="1" dirty="0">
+              <a:latin typeface="Arial" panose="020B0604020202020204" pitchFamily="34" charset="0"/>
+              <a:ea typeface="Times New Roman" panose="02020603050405020304" pitchFamily="18" charset="0"/>
+              <a:cs typeface="Arial" panose="020B0604020202020204" pitchFamily="34" charset="0"/>
+            </a:endParaRPr>
+          </a:p>
+          <a:p>
+            <a:r>
+              <a:rPr lang="ru-RU" sz="2800" b="1" dirty="0">
+                <a:latin typeface="Arial" panose="020B0604020202020204" pitchFamily="34" charset="0"/>
+                <a:ea typeface="Times New Roman" panose="02020603050405020304" pitchFamily="18" charset="0"/>
+                <a:cs typeface="Arial" panose="020B0604020202020204" pitchFamily="34" charset="0"/>
+              </a:rPr>
+              <a:t>    </a:t>
+            </a:r>
+            <a:endParaRPr lang="en-US" sz="2800" dirty="0">
+              <a:latin typeface="Arial" panose="020B0604020202020204" pitchFamily="34" charset="0"/>
+              <a:cs typeface="Arial" panose="020B0604020202020204" pitchFamily="34" charset="0"/>
+            </a:endParaRPr>
+          </a:p>
+        </p:txBody>
+      </p:sp>
+      <p:grpSp>
+        <p:nvGrpSpPr>
+          <p:cNvPr id="2" name="Group 1">
+            <a:extLst>
+              <a:ext uri="{FF2B5EF4-FFF2-40B4-BE49-F238E27FC236}">
+                <a16:creationId xmlns:a16="http://schemas.microsoft.com/office/drawing/2014/main" id="{4CF61EE4-E7A2-6B86-1316-3B9B69D88FA6}"/>
+              </a:ext>
+            </a:extLst>
+          </p:cNvPr>
+          <p:cNvGrpSpPr/>
+          <p:nvPr/>
+        </p:nvGrpSpPr>
+        <p:grpSpPr>
+          <a:xfrm>
+            <a:off x="0" y="0"/>
+            <a:ext cx="12191999" cy="6858000"/>
+            <a:chOff x="0" y="1"/>
+            <a:chExt cx="12207310" cy="6857999"/>
+          </a:xfrm>
+        </p:grpSpPr>
+        <p:sp>
+          <p:nvSpPr>
+            <p:cNvPr id="5" name="TextBox 4">
+              <a:extLst>
+                <a:ext uri="{FF2B5EF4-FFF2-40B4-BE49-F238E27FC236}">
+                  <a16:creationId xmlns:a16="http://schemas.microsoft.com/office/drawing/2014/main" id="{50FBE970-0B1F-B9A1-6DFF-0389425C32F0}"/>
+                </a:ext>
+              </a:extLst>
+            </p:cNvPr>
+            <p:cNvSpPr txBox="1"/>
+            <p:nvPr/>
+          </p:nvSpPr>
+          <p:spPr>
+            <a:xfrm>
+              <a:off x="960409" y="2782404"/>
+              <a:ext cx="10185991" cy="3046988"/>
+            </a:xfrm>
+            <a:prstGeom prst="rect">
+              <a:avLst/>
+            </a:prstGeom>
+            <a:noFill/>
+          </p:spPr>
+          <p:txBody>
+            <a:bodyPr wrap="square" rtlCol="0">
+              <a:spAutoFit/>
+            </a:bodyPr>
+            <a:lstStyle/>
+            <a:p>
+              <a:r>
+                <a:rPr lang="en-US" sz="3200" b="1" dirty="0"/>
+                <a:t>                </a:t>
+              </a:r>
+            </a:p>
+            <a:p>
+              <a:endParaRPr lang="en-US" sz="3200" b="1" dirty="0"/>
+            </a:p>
+            <a:p>
+              <a:endParaRPr lang="en-US" sz="3200" b="1" dirty="0">
+                <a:latin typeface="Arial" panose="020B0604020202020204" pitchFamily="34" charset="0"/>
+                <a:cs typeface="Arial" panose="020B0604020202020204" pitchFamily="34" charset="0"/>
+              </a:endParaRPr>
+            </a:p>
+            <a:p>
+              <a:endParaRPr lang="en-US" sz="3200" b="1" dirty="0">
+                <a:latin typeface="Arial" panose="020B0604020202020204" pitchFamily="34" charset="0"/>
+                <a:cs typeface="Arial" panose="020B0604020202020204" pitchFamily="34" charset="0"/>
+              </a:endParaRPr>
+            </a:p>
+            <a:p>
+              <a:endParaRPr lang="en-US" sz="3200" b="1" dirty="0">
+                <a:latin typeface="Arial" panose="020B0604020202020204" pitchFamily="34" charset="0"/>
+                <a:cs typeface="Arial" panose="020B0604020202020204" pitchFamily="34" charset="0"/>
+              </a:endParaRPr>
+            </a:p>
+            <a:p>
+              <a:r>
+                <a:rPr lang="en-US" sz="3200" b="1" dirty="0">
+                  <a:latin typeface="Arial" panose="020B0604020202020204" pitchFamily="34" charset="0"/>
+                  <a:cs typeface="Arial" panose="020B0604020202020204" pitchFamily="34" charset="0"/>
+                </a:rPr>
+                <a:t> </a:t>
+              </a:r>
+            </a:p>
+          </p:txBody>
+        </p:sp>
+        <p:sp>
+          <p:nvSpPr>
+            <p:cNvPr id="6" name="Arrow: Pentagon 5">
+              <a:extLst>
+                <a:ext uri="{FF2B5EF4-FFF2-40B4-BE49-F238E27FC236}">
+                  <a16:creationId xmlns:a16="http://schemas.microsoft.com/office/drawing/2014/main" id="{AFA82373-78C4-4C28-D50E-AA4248D2A0B5}"/>
+                </a:ext>
+              </a:extLst>
+            </p:cNvPr>
+            <p:cNvSpPr/>
+            <p:nvPr/>
+          </p:nvSpPr>
+          <p:spPr>
+            <a:xfrm rot="5400000">
+              <a:off x="-3328859" y="3328861"/>
+              <a:ext cx="6857998" cy="200280"/>
+            </a:xfrm>
+            <a:prstGeom prst="homePlate">
+              <a:avLst>
+                <a:gd name="adj" fmla="val 1168"/>
+              </a:avLst>
+            </a:prstGeom>
+            <a:gradFill flip="none" rotWithShape="1">
+              <a:gsLst>
+                <a:gs pos="0">
+                  <a:schemeClr val="accent3">
+                    <a:lumMod val="40000"/>
+                    <a:lumOff val="60000"/>
+                  </a:schemeClr>
+                </a:gs>
+                <a:gs pos="46000">
+                  <a:schemeClr val="accent3">
+                    <a:lumMod val="95000"/>
+                    <a:lumOff val="5000"/>
+                  </a:schemeClr>
+                </a:gs>
+                <a:gs pos="100000">
+                  <a:schemeClr val="accent3">
+                    <a:lumMod val="60000"/>
+                  </a:schemeClr>
+                </a:gs>
+              </a:gsLst>
+              <a:path path="circle">
+                <a:fillToRect l="50000" t="130000" r="50000" b="-30000"/>
+              </a:path>
+              <a:tileRect/>
+            </a:gradFill>
+            <a:ln>
+              <a:noFill/>
+            </a:ln>
+          </p:spPr>
+          <p:style>
+            <a:lnRef idx="2">
+              <a:schemeClr val="accent1">
+                <a:shade val="50000"/>
+              </a:schemeClr>
+            </a:lnRef>
+            <a:fillRef idx="1">
+              <a:schemeClr val="accent1"/>
+            </a:fillRef>
+            <a:effectRef idx="0">
+              <a:schemeClr val="accent1"/>
+            </a:effectRef>
+            <a:fontRef idx="minor">
+              <a:schemeClr val="lt1"/>
+            </a:fontRef>
+          </p:style>
+          <p:txBody>
+            <a:bodyPr rtlCol="0" anchor="ctr"/>
+            <a:lstStyle/>
+            <a:p>
+              <a:pPr algn="ctr"/>
+              <a:endParaRPr lang="en-US" sz="375" dirty="0"/>
+            </a:p>
+          </p:txBody>
+        </p:sp>
+        <p:sp>
+          <p:nvSpPr>
+            <p:cNvPr id="7" name="Arrow: Pentagon 6">
+              <a:extLst>
+                <a:ext uri="{FF2B5EF4-FFF2-40B4-BE49-F238E27FC236}">
+                  <a16:creationId xmlns:a16="http://schemas.microsoft.com/office/drawing/2014/main" id="{0A974EEF-EEE5-EE45-DB1E-8B2D7A6FA275}"/>
+                </a:ext>
+              </a:extLst>
+            </p:cNvPr>
+            <p:cNvSpPr/>
+            <p:nvPr/>
+          </p:nvSpPr>
+          <p:spPr>
+            <a:xfrm rot="5400000">
+              <a:off x="8678171" y="3328861"/>
+              <a:ext cx="6857998" cy="200280"/>
+            </a:xfrm>
+            <a:prstGeom prst="homePlate">
+              <a:avLst>
+                <a:gd name="adj" fmla="val 1168"/>
+              </a:avLst>
+            </a:prstGeom>
+            <a:gradFill flip="none" rotWithShape="1">
+              <a:gsLst>
+                <a:gs pos="0">
+                  <a:schemeClr val="accent3">
+                    <a:lumMod val="40000"/>
+                    <a:lumOff val="60000"/>
+                  </a:schemeClr>
+                </a:gs>
+                <a:gs pos="46000">
+                  <a:schemeClr val="accent3">
+                    <a:lumMod val="95000"/>
+                    <a:lumOff val="5000"/>
+                  </a:schemeClr>
+                </a:gs>
+                <a:gs pos="100000">
+                  <a:schemeClr val="accent3">
+                    <a:lumMod val="60000"/>
+                  </a:schemeClr>
+                </a:gs>
+              </a:gsLst>
+              <a:path path="circle">
+                <a:fillToRect l="50000" t="130000" r="50000" b="-30000"/>
+              </a:path>
+              <a:tileRect/>
+            </a:gradFill>
+            <a:ln>
+              <a:noFill/>
+            </a:ln>
+          </p:spPr>
+          <p:style>
+            <a:lnRef idx="2">
+              <a:schemeClr val="accent1">
+                <a:shade val="50000"/>
+              </a:schemeClr>
+            </a:lnRef>
+            <a:fillRef idx="1">
+              <a:schemeClr val="accent1"/>
+            </a:fillRef>
+            <a:effectRef idx="0">
+              <a:schemeClr val="accent1"/>
+            </a:effectRef>
+            <a:fontRef idx="minor">
+              <a:schemeClr val="lt1"/>
+            </a:fontRef>
+          </p:style>
+          <p:txBody>
+            <a:bodyPr rtlCol="0" anchor="ctr"/>
+            <a:lstStyle/>
+            <a:p>
+              <a:pPr algn="ctr"/>
+              <a:endParaRPr lang="en-US" sz="375" dirty="0"/>
+            </a:p>
+          </p:txBody>
+        </p:sp>
+        <p:sp>
+          <p:nvSpPr>
+            <p:cNvPr id="8" name="Arrow: Pentagon 7">
+              <a:extLst>
+                <a:ext uri="{FF2B5EF4-FFF2-40B4-BE49-F238E27FC236}">
+                  <a16:creationId xmlns:a16="http://schemas.microsoft.com/office/drawing/2014/main" id="{9BFB7247-B664-1E80-9A13-D605901FDE02}"/>
+                </a:ext>
+              </a:extLst>
+            </p:cNvPr>
+            <p:cNvSpPr/>
+            <p:nvPr/>
+          </p:nvSpPr>
+          <p:spPr>
+            <a:xfrm>
+              <a:off x="200279" y="1"/>
+              <a:ext cx="11907257" cy="231354"/>
+            </a:xfrm>
+            <a:prstGeom prst="homePlate">
+              <a:avLst>
+                <a:gd name="adj" fmla="val 1168"/>
+              </a:avLst>
+            </a:prstGeom>
+            <a:gradFill flip="none" rotWithShape="1">
+              <a:gsLst>
+                <a:gs pos="0">
+                  <a:schemeClr val="accent3">
+                    <a:lumMod val="40000"/>
+                    <a:lumOff val="60000"/>
+                  </a:schemeClr>
+                </a:gs>
+                <a:gs pos="46000">
+                  <a:schemeClr val="accent3">
+                    <a:lumMod val="95000"/>
+                    <a:lumOff val="5000"/>
+                  </a:schemeClr>
+                </a:gs>
+                <a:gs pos="100000">
+                  <a:schemeClr val="accent3">
+                    <a:lumMod val="60000"/>
+                  </a:schemeClr>
+                </a:gs>
+              </a:gsLst>
+              <a:path path="circle">
+                <a:fillToRect l="50000" t="130000" r="50000" b="-30000"/>
+              </a:path>
+              <a:tileRect/>
+            </a:gradFill>
+            <a:ln>
+              <a:noFill/>
+            </a:ln>
+          </p:spPr>
+          <p:style>
+            <a:lnRef idx="2">
+              <a:schemeClr val="accent1">
+                <a:shade val="50000"/>
+              </a:schemeClr>
+            </a:lnRef>
+            <a:fillRef idx="1">
+              <a:schemeClr val="accent1"/>
+            </a:fillRef>
+            <a:effectRef idx="0">
+              <a:schemeClr val="accent1"/>
+            </a:effectRef>
+            <a:fontRef idx="minor">
+              <a:schemeClr val="lt1"/>
+            </a:fontRef>
+          </p:style>
+          <p:txBody>
+            <a:bodyPr rtlCol="0" anchor="ctr"/>
+            <a:lstStyle/>
+            <a:p>
+              <a:pPr algn="ctr"/>
+              <a:endParaRPr lang="en-US" sz="375" dirty="0"/>
+            </a:p>
+          </p:txBody>
+        </p:sp>
+        <p:sp>
+          <p:nvSpPr>
+            <p:cNvPr id="9" name="Arrow: Pentagon 8">
+              <a:extLst>
+                <a:ext uri="{FF2B5EF4-FFF2-40B4-BE49-F238E27FC236}">
+                  <a16:creationId xmlns:a16="http://schemas.microsoft.com/office/drawing/2014/main" id="{1C19C0B5-96E1-2C95-8F7E-1CC95C022203}"/>
+                </a:ext>
+              </a:extLst>
+            </p:cNvPr>
+            <p:cNvSpPr/>
+            <p:nvPr/>
+          </p:nvSpPr>
+          <p:spPr>
+            <a:xfrm>
+              <a:off x="200279" y="6626644"/>
+              <a:ext cx="11907257" cy="231354"/>
+            </a:xfrm>
+            <a:prstGeom prst="homePlate">
+              <a:avLst>
+                <a:gd name="adj" fmla="val 1168"/>
+              </a:avLst>
+            </a:prstGeom>
+            <a:gradFill flip="none" rotWithShape="1">
+              <a:gsLst>
+                <a:gs pos="0">
+                  <a:schemeClr val="accent3">
+                    <a:lumMod val="40000"/>
+                    <a:lumOff val="60000"/>
+                  </a:schemeClr>
+                </a:gs>
+                <a:gs pos="46000">
+                  <a:schemeClr val="accent3">
+                    <a:lumMod val="95000"/>
+                    <a:lumOff val="5000"/>
+                  </a:schemeClr>
+                </a:gs>
+                <a:gs pos="100000">
+                  <a:schemeClr val="accent3">
+                    <a:lumMod val="60000"/>
+                  </a:schemeClr>
+                </a:gs>
+              </a:gsLst>
+              <a:path path="circle">
+                <a:fillToRect l="50000" t="130000" r="50000" b="-30000"/>
+              </a:path>
+              <a:tileRect/>
+            </a:gradFill>
+            <a:ln>
+              <a:noFill/>
+            </a:ln>
+          </p:spPr>
+          <p:style>
+            <a:lnRef idx="2">
+              <a:schemeClr val="accent1">
+                <a:shade val="50000"/>
+              </a:schemeClr>
+            </a:lnRef>
+            <a:fillRef idx="1">
+              <a:schemeClr val="accent1"/>
+            </a:fillRef>
+            <a:effectRef idx="0">
+              <a:schemeClr val="accent1"/>
+            </a:effectRef>
+            <a:fontRef idx="minor">
+              <a:schemeClr val="lt1"/>
+            </a:fontRef>
+          </p:style>
+          <p:txBody>
+            <a:bodyPr rtlCol="0" anchor="ctr"/>
+            <a:lstStyle/>
+            <a:p>
+              <a:pPr algn="ctr"/>
+              <a:endParaRPr lang="en-US" sz="375" dirty="0"/>
+            </a:p>
+          </p:txBody>
+        </p:sp>
+      </p:grpSp>
+    </p:spTree>
+    <p:extLst>
+      <p:ext uri="{BB962C8B-B14F-4D97-AF65-F5344CB8AC3E}">
+        <p14:creationId xmlns:p14="http://schemas.microsoft.com/office/powerpoint/2010/main" val="702926832"/>
+      </p:ext>
+    </p:extLst>
+  </p:cSld>
+  <p:clrMapOvr>
+    <a:masterClrMapping/>
+  </p:clrMapOvr>
+</p:sld>
+</file>
+
+<file path=ppt/slides/slide18.xml><?xml version="1.0" encoding="utf-8"?>
+<p:sld xmlns:a="http://schemas.openxmlformats.org/drawingml/2006/main" xmlns:r="http://schemas.openxmlformats.org/officeDocument/2006/relationships" xmlns:p="http://schemas.openxmlformats.org/presentationml/2006/main">
+  <p:cSld>
+    <p:spTree>
+      <p:nvGrpSpPr>
+        <p:cNvPr id="1" name=""/>
+        <p:cNvGrpSpPr/>
+        <p:nvPr/>
+      </p:nvGrpSpPr>
+      <p:grpSpPr>
+        <a:xfrm>
+          <a:off x="0" y="0"/>
+          <a:ext cx="0" cy="0"/>
+          <a:chOff x="0" y="0"/>
+          <a:chExt cx="0" cy="0"/>
+        </a:xfrm>
+      </p:grpSpPr>
+      <p:sp>
+        <p:nvSpPr>
+          <p:cNvPr id="3" name="TextBox 2">
+            <a:extLst>
+              <a:ext uri="{FF2B5EF4-FFF2-40B4-BE49-F238E27FC236}">
+                <a16:creationId xmlns:a16="http://schemas.microsoft.com/office/drawing/2014/main" id="{D22182D6-21D5-EA78-420B-EC66565F7ABC}"/>
+              </a:ext>
+            </a:extLst>
+          </p:cNvPr>
+          <p:cNvSpPr txBox="1"/>
+          <p:nvPr/>
+        </p:nvSpPr>
+        <p:spPr>
+          <a:xfrm>
+            <a:off x="1059581" y="664862"/>
+            <a:ext cx="9296578" cy="2369880"/>
+          </a:xfrm>
+          <a:prstGeom prst="rect">
+            <a:avLst/>
+          </a:prstGeom>
+          <a:noFill/>
+        </p:spPr>
+        <p:txBody>
+          <a:bodyPr wrap="square">
+            <a:spAutoFit/>
+          </a:bodyPr>
+          <a:lstStyle/>
+          <a:p>
+            <a:r>
+              <a:rPr lang="ru-RU" sz="800" b="1" dirty="0">
+                <a:latin typeface="Times New Roman" panose="02020603050405020304" pitchFamily="18" charset="0"/>
+                <a:ea typeface="Times New Roman" panose="02020603050405020304" pitchFamily="18" charset="0"/>
+                <a:cs typeface="Times New Roman" panose="02020603050405020304" pitchFamily="18" charset="0"/>
+              </a:rPr>
+              <a:t> </a:t>
+            </a:r>
+          </a:p>
+          <a:p>
+            <a:r>
+              <a:rPr lang="en-US" sz="2800" b="1" dirty="0">
+                <a:latin typeface="Arial" panose="020B0604020202020204" pitchFamily="34" charset="0"/>
+                <a:ea typeface="Times New Roman" panose="02020603050405020304" pitchFamily="18" charset="0"/>
+                <a:cs typeface="Arial" panose="020B0604020202020204" pitchFamily="34" charset="0"/>
+              </a:rPr>
+              <a:t>For example, below is the code that implements </a:t>
+            </a:r>
+            <a:r>
+              <a:rPr lang="en-US" sz="2800" b="1" dirty="0" err="1">
+                <a:latin typeface="Arial" panose="020B0604020202020204" pitchFamily="34" charset="0"/>
+                <a:ea typeface="Times New Roman" panose="02020603050405020304" pitchFamily="18" charset="0"/>
+                <a:cs typeface="Arial" panose="020B0604020202020204" pitchFamily="34" charset="0"/>
+              </a:rPr>
+              <a:t>NM_minimization</a:t>
+            </a:r>
+            <a:r>
+              <a:rPr lang="en-US" sz="2800" b="1" dirty="0">
+                <a:latin typeface="Arial" panose="020B0604020202020204" pitchFamily="34" charset="0"/>
+                <a:ea typeface="Times New Roman" panose="02020603050405020304" pitchFamily="18" charset="0"/>
+                <a:cs typeface="Arial" panose="020B0604020202020204" pitchFamily="34" charset="0"/>
+              </a:rPr>
+              <a:t> strategy</a:t>
+            </a:r>
+          </a:p>
+          <a:p>
+            <a:r>
+              <a:rPr lang="en-US" sz="2800" b="1" dirty="0">
+                <a:latin typeface="Arial" panose="020B0604020202020204" pitchFamily="34" charset="0"/>
+                <a:ea typeface="Times New Roman" panose="02020603050405020304" pitchFamily="18" charset="0"/>
+                <a:cs typeface="Arial" panose="020B0604020202020204" pitchFamily="34" charset="0"/>
+              </a:rPr>
+              <a:t> </a:t>
+            </a:r>
+          </a:p>
+          <a:p>
+            <a:endParaRPr lang="en-US" sz="2800" b="1" dirty="0">
+              <a:latin typeface="Arial" panose="020B0604020202020204" pitchFamily="34" charset="0"/>
+              <a:ea typeface="Times New Roman" panose="02020603050405020304" pitchFamily="18" charset="0"/>
+              <a:cs typeface="Arial" panose="020B0604020202020204" pitchFamily="34" charset="0"/>
+            </a:endParaRPr>
+          </a:p>
+          <a:p>
+            <a:r>
+              <a:rPr lang="ru-RU" sz="2800" b="1" dirty="0">
+                <a:latin typeface="Arial" panose="020B0604020202020204" pitchFamily="34" charset="0"/>
+                <a:ea typeface="Times New Roman" panose="02020603050405020304" pitchFamily="18" charset="0"/>
+                <a:cs typeface="Arial" panose="020B0604020202020204" pitchFamily="34" charset="0"/>
+              </a:rPr>
+              <a:t>    </a:t>
+            </a:r>
+            <a:endParaRPr lang="en-US" sz="2800" dirty="0">
+              <a:latin typeface="Arial" panose="020B0604020202020204" pitchFamily="34" charset="0"/>
+              <a:cs typeface="Arial" panose="020B0604020202020204" pitchFamily="34" charset="0"/>
+            </a:endParaRPr>
+          </a:p>
+        </p:txBody>
+      </p:sp>
+      <p:grpSp>
+        <p:nvGrpSpPr>
+          <p:cNvPr id="2" name="Group 1">
+            <a:extLst>
+              <a:ext uri="{FF2B5EF4-FFF2-40B4-BE49-F238E27FC236}">
+                <a16:creationId xmlns:a16="http://schemas.microsoft.com/office/drawing/2014/main" id="{4CF61EE4-E7A2-6B86-1316-3B9B69D88FA6}"/>
+              </a:ext>
+            </a:extLst>
+          </p:cNvPr>
+          <p:cNvGrpSpPr/>
+          <p:nvPr/>
+        </p:nvGrpSpPr>
+        <p:grpSpPr>
+          <a:xfrm>
+            <a:off x="0" y="0"/>
+            <a:ext cx="12191999" cy="6858000"/>
+            <a:chOff x="0" y="1"/>
+            <a:chExt cx="12207310" cy="6857999"/>
+          </a:xfrm>
+        </p:grpSpPr>
+        <p:sp>
+          <p:nvSpPr>
+            <p:cNvPr id="5" name="TextBox 4">
+              <a:extLst>
+                <a:ext uri="{FF2B5EF4-FFF2-40B4-BE49-F238E27FC236}">
+                  <a16:creationId xmlns:a16="http://schemas.microsoft.com/office/drawing/2014/main" id="{50FBE970-0B1F-B9A1-6DFF-0389425C32F0}"/>
+                </a:ext>
+              </a:extLst>
+            </p:cNvPr>
+            <p:cNvSpPr txBox="1"/>
+            <p:nvPr/>
+          </p:nvSpPr>
+          <p:spPr>
+            <a:xfrm>
+              <a:off x="1060912" y="2936310"/>
+              <a:ext cx="10185991" cy="3046988"/>
+            </a:xfrm>
+            <a:prstGeom prst="rect">
+              <a:avLst/>
+            </a:prstGeom>
+            <a:noFill/>
+          </p:spPr>
+          <p:txBody>
+            <a:bodyPr wrap="square" rtlCol="0">
+              <a:spAutoFit/>
+            </a:bodyPr>
+            <a:lstStyle/>
+            <a:p>
+              <a:r>
+                <a:rPr lang="en-US" sz="3200" b="1" dirty="0"/>
+                <a:t>                </a:t>
+              </a:r>
+            </a:p>
+            <a:p>
+              <a:endParaRPr lang="en-US" sz="3200" b="1" dirty="0"/>
+            </a:p>
+            <a:p>
+              <a:endParaRPr lang="en-US" sz="3200" b="1" dirty="0">
+                <a:latin typeface="Arial" panose="020B0604020202020204" pitchFamily="34" charset="0"/>
+                <a:cs typeface="Arial" panose="020B0604020202020204" pitchFamily="34" charset="0"/>
+              </a:endParaRPr>
+            </a:p>
+            <a:p>
+              <a:endParaRPr lang="en-US" sz="3200" b="1" dirty="0">
+                <a:latin typeface="Arial" panose="020B0604020202020204" pitchFamily="34" charset="0"/>
+                <a:cs typeface="Arial" panose="020B0604020202020204" pitchFamily="34" charset="0"/>
+              </a:endParaRPr>
+            </a:p>
+            <a:p>
+              <a:endParaRPr lang="en-US" sz="3200" b="1" dirty="0">
+                <a:latin typeface="Arial" panose="020B0604020202020204" pitchFamily="34" charset="0"/>
+                <a:cs typeface="Arial" panose="020B0604020202020204" pitchFamily="34" charset="0"/>
+              </a:endParaRPr>
+            </a:p>
+            <a:p>
+              <a:r>
+                <a:rPr lang="en-US" sz="3200" b="1" dirty="0">
+                  <a:latin typeface="Arial" panose="020B0604020202020204" pitchFamily="34" charset="0"/>
+                  <a:cs typeface="Arial" panose="020B0604020202020204" pitchFamily="34" charset="0"/>
+                </a:rPr>
+                <a:t> </a:t>
+              </a:r>
+            </a:p>
+          </p:txBody>
+        </p:sp>
+        <p:sp>
+          <p:nvSpPr>
+            <p:cNvPr id="6" name="Arrow: Pentagon 5">
+              <a:extLst>
+                <a:ext uri="{FF2B5EF4-FFF2-40B4-BE49-F238E27FC236}">
+                  <a16:creationId xmlns:a16="http://schemas.microsoft.com/office/drawing/2014/main" id="{AFA82373-78C4-4C28-D50E-AA4248D2A0B5}"/>
+                </a:ext>
+              </a:extLst>
+            </p:cNvPr>
+            <p:cNvSpPr/>
+            <p:nvPr/>
+          </p:nvSpPr>
+          <p:spPr>
+            <a:xfrm rot="5400000">
+              <a:off x="-3328859" y="3328861"/>
+              <a:ext cx="6857998" cy="200280"/>
+            </a:xfrm>
+            <a:prstGeom prst="homePlate">
+              <a:avLst>
+                <a:gd name="adj" fmla="val 1168"/>
+              </a:avLst>
+            </a:prstGeom>
+            <a:gradFill flip="none" rotWithShape="1">
+              <a:gsLst>
+                <a:gs pos="0">
+                  <a:schemeClr val="accent3">
+                    <a:lumMod val="40000"/>
+                    <a:lumOff val="60000"/>
+                  </a:schemeClr>
+                </a:gs>
+                <a:gs pos="46000">
+                  <a:schemeClr val="accent3">
+                    <a:lumMod val="95000"/>
+                    <a:lumOff val="5000"/>
+                  </a:schemeClr>
+                </a:gs>
+                <a:gs pos="100000">
+                  <a:schemeClr val="accent3">
+                    <a:lumMod val="60000"/>
+                  </a:schemeClr>
+                </a:gs>
+              </a:gsLst>
+              <a:path path="circle">
+                <a:fillToRect l="50000" t="130000" r="50000" b="-30000"/>
+              </a:path>
+              <a:tileRect/>
+            </a:gradFill>
+            <a:ln>
+              <a:noFill/>
+            </a:ln>
+          </p:spPr>
+          <p:style>
+            <a:lnRef idx="2">
+              <a:schemeClr val="accent1">
+                <a:shade val="50000"/>
+              </a:schemeClr>
+            </a:lnRef>
+            <a:fillRef idx="1">
+              <a:schemeClr val="accent1"/>
+            </a:fillRef>
+            <a:effectRef idx="0">
+              <a:schemeClr val="accent1"/>
+            </a:effectRef>
+            <a:fontRef idx="minor">
+              <a:schemeClr val="lt1"/>
+            </a:fontRef>
+          </p:style>
+          <p:txBody>
+            <a:bodyPr rtlCol="0" anchor="ctr"/>
+            <a:lstStyle/>
+            <a:p>
+              <a:pPr algn="ctr"/>
+              <a:endParaRPr lang="en-US" sz="375" dirty="0"/>
+            </a:p>
+          </p:txBody>
+        </p:sp>
+        <p:sp>
+          <p:nvSpPr>
+            <p:cNvPr id="7" name="Arrow: Pentagon 6">
+              <a:extLst>
+                <a:ext uri="{FF2B5EF4-FFF2-40B4-BE49-F238E27FC236}">
+                  <a16:creationId xmlns:a16="http://schemas.microsoft.com/office/drawing/2014/main" id="{0A974EEF-EEE5-EE45-DB1E-8B2D7A6FA275}"/>
+                </a:ext>
+              </a:extLst>
+            </p:cNvPr>
+            <p:cNvSpPr/>
+            <p:nvPr/>
+          </p:nvSpPr>
+          <p:spPr>
+            <a:xfrm rot="5400000">
+              <a:off x="8678171" y="3328861"/>
+              <a:ext cx="6857998" cy="200280"/>
+            </a:xfrm>
+            <a:prstGeom prst="homePlate">
+              <a:avLst>
+                <a:gd name="adj" fmla="val 1168"/>
+              </a:avLst>
+            </a:prstGeom>
+            <a:gradFill flip="none" rotWithShape="1">
+              <a:gsLst>
+                <a:gs pos="0">
+                  <a:schemeClr val="accent3">
+                    <a:lumMod val="40000"/>
+                    <a:lumOff val="60000"/>
+                  </a:schemeClr>
+                </a:gs>
+                <a:gs pos="46000">
+                  <a:schemeClr val="accent3">
+                    <a:lumMod val="95000"/>
+                    <a:lumOff val="5000"/>
+                  </a:schemeClr>
+                </a:gs>
+                <a:gs pos="100000">
+                  <a:schemeClr val="accent3">
+                    <a:lumMod val="60000"/>
+                  </a:schemeClr>
+                </a:gs>
+              </a:gsLst>
+              <a:path path="circle">
+                <a:fillToRect l="50000" t="130000" r="50000" b="-30000"/>
+              </a:path>
+              <a:tileRect/>
+            </a:gradFill>
+            <a:ln>
+              <a:noFill/>
+            </a:ln>
+          </p:spPr>
+          <p:style>
+            <a:lnRef idx="2">
+              <a:schemeClr val="accent1">
+                <a:shade val="50000"/>
+              </a:schemeClr>
+            </a:lnRef>
+            <a:fillRef idx="1">
+              <a:schemeClr val="accent1"/>
+            </a:fillRef>
+            <a:effectRef idx="0">
+              <a:schemeClr val="accent1"/>
+            </a:effectRef>
+            <a:fontRef idx="minor">
+              <a:schemeClr val="lt1"/>
+            </a:fontRef>
+          </p:style>
+          <p:txBody>
+            <a:bodyPr rtlCol="0" anchor="ctr"/>
+            <a:lstStyle/>
+            <a:p>
+              <a:pPr algn="ctr"/>
+              <a:endParaRPr lang="en-US" sz="375" dirty="0"/>
+            </a:p>
+          </p:txBody>
+        </p:sp>
+        <p:sp>
+          <p:nvSpPr>
+            <p:cNvPr id="8" name="Arrow: Pentagon 7">
+              <a:extLst>
+                <a:ext uri="{FF2B5EF4-FFF2-40B4-BE49-F238E27FC236}">
+                  <a16:creationId xmlns:a16="http://schemas.microsoft.com/office/drawing/2014/main" id="{9BFB7247-B664-1E80-9A13-D605901FDE02}"/>
+                </a:ext>
+              </a:extLst>
+            </p:cNvPr>
+            <p:cNvSpPr/>
+            <p:nvPr/>
+          </p:nvSpPr>
+          <p:spPr>
+            <a:xfrm>
+              <a:off x="200279" y="1"/>
+              <a:ext cx="11907257" cy="231354"/>
+            </a:xfrm>
+            <a:prstGeom prst="homePlate">
+              <a:avLst>
+                <a:gd name="adj" fmla="val 1168"/>
+              </a:avLst>
+            </a:prstGeom>
+            <a:gradFill flip="none" rotWithShape="1">
+              <a:gsLst>
+                <a:gs pos="0">
+                  <a:schemeClr val="accent3">
+                    <a:lumMod val="40000"/>
+                    <a:lumOff val="60000"/>
+                  </a:schemeClr>
+                </a:gs>
+                <a:gs pos="46000">
+                  <a:schemeClr val="accent3">
+                    <a:lumMod val="95000"/>
+                    <a:lumOff val="5000"/>
+                  </a:schemeClr>
+                </a:gs>
+                <a:gs pos="100000">
+                  <a:schemeClr val="accent3">
+                    <a:lumMod val="60000"/>
+                  </a:schemeClr>
+                </a:gs>
+              </a:gsLst>
+              <a:path path="circle">
+                <a:fillToRect l="50000" t="130000" r="50000" b="-30000"/>
+              </a:path>
+              <a:tileRect/>
+            </a:gradFill>
+            <a:ln>
+              <a:noFill/>
+            </a:ln>
+          </p:spPr>
+          <p:style>
+            <a:lnRef idx="2">
+              <a:schemeClr val="accent1">
+                <a:shade val="50000"/>
+              </a:schemeClr>
+            </a:lnRef>
+            <a:fillRef idx="1">
+              <a:schemeClr val="accent1"/>
+            </a:fillRef>
+            <a:effectRef idx="0">
+              <a:schemeClr val="accent1"/>
+            </a:effectRef>
+            <a:fontRef idx="minor">
+              <a:schemeClr val="lt1"/>
+            </a:fontRef>
+          </p:style>
+          <p:txBody>
+            <a:bodyPr rtlCol="0" anchor="ctr"/>
+            <a:lstStyle/>
+            <a:p>
+              <a:pPr algn="ctr"/>
+              <a:endParaRPr lang="en-US" sz="375" dirty="0"/>
+            </a:p>
+          </p:txBody>
+        </p:sp>
+        <p:sp>
+          <p:nvSpPr>
+            <p:cNvPr id="9" name="Arrow: Pentagon 8">
+              <a:extLst>
+                <a:ext uri="{FF2B5EF4-FFF2-40B4-BE49-F238E27FC236}">
+                  <a16:creationId xmlns:a16="http://schemas.microsoft.com/office/drawing/2014/main" id="{1C19C0B5-96E1-2C95-8F7E-1CC95C022203}"/>
+                </a:ext>
+              </a:extLst>
+            </p:cNvPr>
+            <p:cNvSpPr/>
+            <p:nvPr/>
+          </p:nvSpPr>
+          <p:spPr>
+            <a:xfrm>
+              <a:off x="200279" y="6626644"/>
+              <a:ext cx="11907257" cy="231354"/>
+            </a:xfrm>
+            <a:prstGeom prst="homePlate">
+              <a:avLst>
+                <a:gd name="adj" fmla="val 1168"/>
+              </a:avLst>
+            </a:prstGeom>
+            <a:gradFill flip="none" rotWithShape="1">
+              <a:gsLst>
+                <a:gs pos="0">
+                  <a:schemeClr val="accent3">
+                    <a:lumMod val="40000"/>
+                    <a:lumOff val="60000"/>
+                  </a:schemeClr>
+                </a:gs>
+                <a:gs pos="46000">
+                  <a:schemeClr val="accent3">
+                    <a:lumMod val="95000"/>
+                    <a:lumOff val="5000"/>
+                  </a:schemeClr>
+                </a:gs>
+                <a:gs pos="100000">
+                  <a:schemeClr val="accent3">
+                    <a:lumMod val="60000"/>
+                  </a:schemeClr>
+                </a:gs>
+              </a:gsLst>
+              <a:path path="circle">
+                <a:fillToRect l="50000" t="130000" r="50000" b="-30000"/>
+              </a:path>
+              <a:tileRect/>
+            </a:gradFill>
+            <a:ln>
+              <a:noFill/>
+            </a:ln>
+          </p:spPr>
+          <p:style>
+            <a:lnRef idx="2">
+              <a:schemeClr val="accent1">
+                <a:shade val="50000"/>
+              </a:schemeClr>
+            </a:lnRef>
+            <a:fillRef idx="1">
+              <a:schemeClr val="accent1"/>
+            </a:fillRef>
+            <a:effectRef idx="0">
+              <a:schemeClr val="accent1"/>
+            </a:effectRef>
+            <a:fontRef idx="minor">
+              <a:schemeClr val="lt1"/>
+            </a:fontRef>
+          </p:style>
+          <p:txBody>
+            <a:bodyPr rtlCol="0" anchor="ctr"/>
+            <a:lstStyle/>
+            <a:p>
+              <a:pPr algn="ctr"/>
+              <a:endParaRPr lang="en-US" sz="375" dirty="0"/>
+            </a:p>
+          </p:txBody>
+        </p:sp>
+      </p:grpSp>
+      <p:pic>
+        <p:nvPicPr>
+          <p:cNvPr id="4" name="Picture 3">
+            <a:extLst>
+              <a:ext uri="{FF2B5EF4-FFF2-40B4-BE49-F238E27FC236}">
+                <a16:creationId xmlns:a16="http://schemas.microsoft.com/office/drawing/2014/main" id="{5DDBD6BF-CC08-C480-E1AD-72402D631147}"/>
+              </a:ext>
+            </a:extLst>
+          </p:cNvPr>
+          <p:cNvPicPr>
+            <a:picLocks noChangeAspect="1"/>
+          </p:cNvPicPr>
+          <p:nvPr/>
+        </p:nvPicPr>
+        <p:blipFill>
+          <a:blip r:embed="rId2"/>
+          <a:stretch>
+            <a:fillRect/>
+          </a:stretch>
+        </p:blipFill>
+        <p:spPr>
+          <a:xfrm>
+            <a:off x="1232111" y="1963432"/>
+            <a:ext cx="5429503" cy="3852012"/>
+          </a:xfrm>
+          <a:prstGeom prst="rect">
+            <a:avLst/>
+          </a:prstGeom>
+        </p:spPr>
+      </p:pic>
+    </p:spTree>
+    <p:extLst>
+      <p:ext uri="{BB962C8B-B14F-4D97-AF65-F5344CB8AC3E}">
+        <p14:creationId xmlns:p14="http://schemas.microsoft.com/office/powerpoint/2010/main" val="1982430544"/>
+      </p:ext>
+    </p:extLst>
+  </p:cSld>
+  <p:clrMapOvr>
+    <a:masterClrMapping/>
+  </p:clrMapOvr>
+</p:sld>
+</file>
+
 <file path=ppt/slides/slide2.xml><?xml version="1.0" encoding="utf-8"?>
 <p:sld xmlns:a="http://schemas.openxmlformats.org/drawingml/2006/main" xmlns:r="http://schemas.openxmlformats.org/officeDocument/2006/relationships" xmlns:p="http://schemas.openxmlformats.org/presentationml/2006/main">
   <p:cSld>

--- a/2022-Scipy_presentation.pptx
+++ b/2022-Scipy_presentation.pptx
@@ -22,7 +22,8 @@
     <p:sldId id="402" r:id="rId16"/>
     <p:sldId id="403" r:id="rId17"/>
     <p:sldId id="404" r:id="rId18"/>
-    <p:sldId id="405" r:id="rId19"/>
+    <p:sldId id="406" r:id="rId19"/>
+    <p:sldId id="405" r:id="rId20"/>
   </p:sldIdLst>
   <p:sldSz cx="12192000" cy="6858000"/>
   <p:notesSz cx="6858000" cy="9144000"/>
@@ -287,7 +288,7 @@
           <a:p>
             <a:fld id="{C6298CFF-EFAF-46EE-83AD-28A904FE1F93}" type="datetimeFigureOut">
               <a:rPr lang="en-US" smtClean="0"/>
-              <a:t>9/30/2022</a:t>
+              <a:t>10/2/2022</a:t>
             </a:fld>
             <a:endParaRPr lang="en-US"/>
           </a:p>
@@ -485,7 +486,7 @@
           <a:p>
             <a:fld id="{C6298CFF-EFAF-46EE-83AD-28A904FE1F93}" type="datetimeFigureOut">
               <a:rPr lang="en-US" smtClean="0"/>
-              <a:t>9/30/2022</a:t>
+              <a:t>10/2/2022</a:t>
             </a:fld>
             <a:endParaRPr lang="en-US"/>
           </a:p>
@@ -693,7 +694,7 @@
           <a:p>
             <a:fld id="{C6298CFF-EFAF-46EE-83AD-28A904FE1F93}" type="datetimeFigureOut">
               <a:rPr lang="en-US" smtClean="0"/>
-              <a:t>9/30/2022</a:t>
+              <a:t>10/2/2022</a:t>
             </a:fld>
             <a:endParaRPr lang="en-US"/>
           </a:p>
@@ -891,7 +892,7 @@
           <a:p>
             <a:fld id="{C6298CFF-EFAF-46EE-83AD-28A904FE1F93}" type="datetimeFigureOut">
               <a:rPr lang="en-US" smtClean="0"/>
-              <a:t>9/30/2022</a:t>
+              <a:t>10/2/2022</a:t>
             </a:fld>
             <a:endParaRPr lang="en-US"/>
           </a:p>
@@ -1166,7 +1167,7 @@
           <a:p>
             <a:fld id="{C6298CFF-EFAF-46EE-83AD-28A904FE1F93}" type="datetimeFigureOut">
               <a:rPr lang="en-US" smtClean="0"/>
-              <a:t>9/30/2022</a:t>
+              <a:t>10/2/2022</a:t>
             </a:fld>
             <a:endParaRPr lang="en-US"/>
           </a:p>
@@ -1431,7 +1432,7 @@
           <a:p>
             <a:fld id="{C6298CFF-EFAF-46EE-83AD-28A904FE1F93}" type="datetimeFigureOut">
               <a:rPr lang="en-US" smtClean="0"/>
-              <a:t>9/30/2022</a:t>
+              <a:t>10/2/2022</a:t>
             </a:fld>
             <a:endParaRPr lang="en-US"/>
           </a:p>
@@ -1843,7 +1844,7 @@
           <a:p>
             <a:fld id="{C6298CFF-EFAF-46EE-83AD-28A904FE1F93}" type="datetimeFigureOut">
               <a:rPr lang="en-US" smtClean="0"/>
-              <a:t>9/30/2022</a:t>
+              <a:t>10/2/2022</a:t>
             </a:fld>
             <a:endParaRPr lang="en-US"/>
           </a:p>
@@ -1984,7 +1985,7 @@
           <a:p>
             <a:fld id="{C6298CFF-EFAF-46EE-83AD-28A904FE1F93}" type="datetimeFigureOut">
               <a:rPr lang="en-US" smtClean="0"/>
-              <a:t>9/30/2022</a:t>
+              <a:t>10/2/2022</a:t>
             </a:fld>
             <a:endParaRPr lang="en-US"/>
           </a:p>
@@ -2097,7 +2098,7 @@
           <a:p>
             <a:fld id="{C6298CFF-EFAF-46EE-83AD-28A904FE1F93}" type="datetimeFigureOut">
               <a:rPr lang="en-US" smtClean="0"/>
-              <a:t>9/30/2022</a:t>
+              <a:t>10/2/2022</a:t>
             </a:fld>
             <a:endParaRPr lang="en-US"/>
           </a:p>
@@ -2408,7 +2409,7 @@
           <a:p>
             <a:fld id="{C6298CFF-EFAF-46EE-83AD-28A904FE1F93}" type="datetimeFigureOut">
               <a:rPr lang="en-US" smtClean="0"/>
-              <a:t>9/30/2022</a:t>
+              <a:t>10/2/2022</a:t>
             </a:fld>
             <a:endParaRPr lang="en-US"/>
           </a:p>
@@ -2696,7 +2697,7 @@
           <a:p>
             <a:fld id="{C6298CFF-EFAF-46EE-83AD-28A904FE1F93}" type="datetimeFigureOut">
               <a:rPr lang="en-US" smtClean="0"/>
-              <a:t>9/30/2022</a:t>
+              <a:t>10/2/2022</a:t>
             </a:fld>
             <a:endParaRPr lang="en-US"/>
           </a:p>
@@ -2943,7 +2944,7 @@
           <a:p>
             <a:fld id="{C6298CFF-EFAF-46EE-83AD-28A904FE1F93}" type="datetimeFigureOut">
               <a:rPr lang="en-US" smtClean="0"/>
-              <a:t>9/30/2022</a:t>
+              <a:t>10/2/2022</a:t>
             </a:fld>
             <a:endParaRPr lang="en-US"/>
           </a:p>
@@ -7691,8 +7692,19 @@
                 <a:latin typeface="Arial" panose="020B0604020202020204" pitchFamily="34" charset="0"/>
                 <a:cs typeface="Arial" panose="020B0604020202020204" pitchFamily="34" charset="0"/>
               </a:rPr>
-              <a:t> with general intent of our software</a:t>
-            </a:r>
+              <a:t> with general intent of our software </a:t>
+            </a:r>
+            <a:r>
+              <a:rPr lang="en-US" sz="2800" b="1" dirty="0" err="1">
+                <a:latin typeface="Arial" panose="020B0604020202020204" pitchFamily="34" charset="0"/>
+                <a:cs typeface="Arial" panose="020B0604020202020204" pitchFamily="34" charset="0"/>
+              </a:rPr>
+              <a:t>MinPy</a:t>
+            </a:r>
+            <a:endParaRPr lang="en-US" sz="2800" b="1" dirty="0">
+              <a:latin typeface="Arial" panose="020B0604020202020204" pitchFamily="34" charset="0"/>
+              <a:cs typeface="Arial" panose="020B0604020202020204" pitchFamily="34" charset="0"/>
+            </a:endParaRPr>
           </a:p>
           <a:p>
             <a:pPr marL="1881188"/>
@@ -8256,8 +8268,19 @@
                 <a:latin typeface="Arial" panose="020B0604020202020204" pitchFamily="34" charset="0"/>
                 <a:cs typeface="Arial" panose="020B0604020202020204" pitchFamily="34" charset="0"/>
               </a:rPr>
-              <a:t> with general intent of our software</a:t>
-            </a:r>
+              <a:t> with general intent of our software </a:t>
+            </a:r>
+            <a:r>
+              <a:rPr lang="en-US" sz="2800" b="1" dirty="0" err="1">
+                <a:latin typeface="Arial" panose="020B0604020202020204" pitchFamily="34" charset="0"/>
+                <a:cs typeface="Arial" panose="020B0604020202020204" pitchFamily="34" charset="0"/>
+              </a:rPr>
+              <a:t>MinPy</a:t>
+            </a:r>
+            <a:endParaRPr lang="en-US" sz="2800" b="1" dirty="0">
+              <a:latin typeface="Arial" panose="020B0604020202020204" pitchFamily="34" charset="0"/>
+              <a:cs typeface="Arial" panose="020B0604020202020204" pitchFamily="34" charset="0"/>
+            </a:endParaRPr>
           </a:p>
           <a:p>
             <a:endParaRPr lang="ru-RU" sz="800" b="1" dirty="0">
@@ -8800,8 +8823,19 @@
                 <a:latin typeface="Arial" panose="020B0604020202020204" pitchFamily="34" charset="0"/>
                 <a:cs typeface="Arial" panose="020B0604020202020204" pitchFamily="34" charset="0"/>
               </a:rPr>
-              <a:t> with general intent of our software</a:t>
-            </a:r>
+              <a:t> with general intent of our software </a:t>
+            </a:r>
+            <a:r>
+              <a:rPr lang="en-US" sz="2800" b="1" dirty="0" err="1">
+                <a:latin typeface="Arial" panose="020B0604020202020204" pitchFamily="34" charset="0"/>
+                <a:cs typeface="Arial" panose="020B0604020202020204" pitchFamily="34" charset="0"/>
+              </a:rPr>
+              <a:t>MinPy</a:t>
+            </a:r>
+            <a:endParaRPr lang="en-US" sz="2800" b="1" dirty="0">
+              <a:latin typeface="Arial" panose="020B0604020202020204" pitchFamily="34" charset="0"/>
+              <a:cs typeface="Arial" panose="020B0604020202020204" pitchFamily="34" charset="0"/>
+            </a:endParaRPr>
           </a:p>
           <a:p>
             <a:endParaRPr lang="ru-RU" sz="2800" b="1" dirty="0">
@@ -9270,8 +9304,8 @@
         </p:nvSpPr>
         <p:spPr>
           <a:xfrm>
-            <a:off x="1059581" y="664862"/>
-            <a:ext cx="9296578" cy="6247864"/>
+            <a:off x="959203" y="610134"/>
+            <a:ext cx="9296578" cy="4093428"/>
           </a:xfrm>
           <a:prstGeom prst="rect">
             <a:avLst/>
@@ -9300,17 +9334,8 @@
                 <a:ea typeface="Times New Roman" panose="02020603050405020304" pitchFamily="18" charset="0"/>
                 <a:cs typeface="Arial" panose="020B0604020202020204" pitchFamily="34" charset="0"/>
               </a:rPr>
-              <a:t>       Code Organization</a:t>
-            </a:r>
-          </a:p>
-          <a:p>
-            <a:endParaRPr lang="en-US" sz="2800" b="1" dirty="0">
-              <a:latin typeface="Arial" panose="020B0604020202020204" pitchFamily="34" charset="0"/>
-              <a:ea typeface="Times New Roman" panose="02020603050405020304" pitchFamily="18" charset="0"/>
-              <a:cs typeface="Arial" panose="020B0604020202020204" pitchFamily="34" charset="0"/>
-            </a:endParaRPr>
-          </a:p>
-          <a:p>
+              <a:t>                           </a:t>
+            </a:r>
             <a:r>
               <a:rPr lang="en-US" sz="2800" b="1" dirty="0" err="1">
                 <a:latin typeface="Arial" panose="020B0604020202020204" pitchFamily="34" charset="0"/>
@@ -9325,7 +9350,7 @@
                 <a:ea typeface="Times New Roman" panose="02020603050405020304" pitchFamily="18" charset="0"/>
                 <a:cs typeface="Arial" panose="020B0604020202020204" pitchFamily="34" charset="0"/>
               </a:rPr>
-              <a:t> library’s main class is called Minimization. Its methods are building blocks for creating your own optimization strategies. </a:t>
+              <a:t> code Organization</a:t>
             </a:r>
           </a:p>
           <a:p>
@@ -9342,17 +9367,23 @@
                 <a:ea typeface="Times New Roman" panose="02020603050405020304" pitchFamily="18" charset="0"/>
                 <a:cs typeface="Arial" panose="020B0604020202020204" pitchFamily="34" charset="0"/>
               </a:rPr>
-              <a:t>A new strategy should be created as follows: </a:t>
-            </a:r>
-          </a:p>
-          <a:p>
+              <a:t>Minimization – most important class in </a:t>
+            </a:r>
+            <a:r>
+              <a:rPr lang="en-US" sz="2800" b="1" dirty="0" err="1">
+                <a:latin typeface="Arial" panose="020B0604020202020204" pitchFamily="34" charset="0"/>
+                <a:ea typeface="Times New Roman" panose="02020603050405020304" pitchFamily="18" charset="0"/>
+                <a:cs typeface="Arial" panose="020B0604020202020204" pitchFamily="34" charset="0"/>
+              </a:rPr>
+              <a:t>MinPy</a:t>
+            </a:r>
             <a:r>
               <a:rPr lang="en-US" sz="2800" b="1" dirty="0">
                 <a:latin typeface="Arial" panose="020B0604020202020204" pitchFamily="34" charset="0"/>
                 <a:ea typeface="Times New Roman" panose="02020603050405020304" pitchFamily="18" charset="0"/>
                 <a:cs typeface="Arial" panose="020B0604020202020204" pitchFamily="34" charset="0"/>
               </a:rPr>
-              <a:t>Create a class that inherits from Minimization class.</a:t>
+              <a:t>. </a:t>
             </a:r>
           </a:p>
           <a:p>
@@ -9362,32 +9393,17 @@
                 <a:ea typeface="Times New Roman" panose="02020603050405020304" pitchFamily="18" charset="0"/>
                 <a:cs typeface="Arial" panose="020B0604020202020204" pitchFamily="34" charset="0"/>
               </a:rPr>
-              <a:t>Add a method that implements your strategy. It </a:t>
-            </a:r>
-            <a:r>
-              <a:rPr lang="en-US" sz="2800" b="1" dirty="0" err="1">
-                <a:latin typeface="Arial" panose="020B0604020202020204" pitchFamily="34" charset="0"/>
-                <a:ea typeface="Times New Roman" panose="02020603050405020304" pitchFamily="18" charset="0"/>
-                <a:cs typeface="Arial" panose="020B0604020202020204" pitchFamily="34" charset="0"/>
-              </a:rPr>
-              <a:t>shoulduse</a:t>
-            </a:r>
-            <a:r>
-              <a:rPr lang="en-US" sz="2800" b="1" dirty="0">
-                <a:latin typeface="Arial" panose="020B0604020202020204" pitchFamily="34" charset="0"/>
-                <a:ea typeface="Times New Roman" panose="02020603050405020304" pitchFamily="18" charset="0"/>
-                <a:cs typeface="Arial" panose="020B0604020202020204" pitchFamily="34" charset="0"/>
-              </a:rPr>
-              <a:t> the building blocks provided in </a:t>
-            </a:r>
-            <a:r>
-              <a:rPr lang="en-US" sz="2800" b="1" dirty="0" err="1">
-                <a:latin typeface="Arial" panose="020B0604020202020204" pitchFamily="34" charset="0"/>
-                <a:ea typeface="Times New Roman" panose="02020603050405020304" pitchFamily="18" charset="0"/>
-                <a:cs typeface="Arial" panose="020B0604020202020204" pitchFamily="34" charset="0"/>
-              </a:rPr>
-              <a:t>Miimization</a:t>
-            </a:r>
+              <a:t>Its methods are building blocks for creating your own optimization strategies.</a:t>
+            </a:r>
+          </a:p>
+          <a:p>
+            <a:endParaRPr lang="en-US" sz="2800" b="1" dirty="0">
+              <a:latin typeface="Arial" panose="020B0604020202020204" pitchFamily="34" charset="0"/>
+              <a:ea typeface="Times New Roman" panose="02020603050405020304" pitchFamily="18" charset="0"/>
+              <a:cs typeface="Arial" panose="020B0604020202020204" pitchFamily="34" charset="0"/>
+            </a:endParaRPr>
+          </a:p>
+          <a:p>
             <a:r>
               <a:rPr lang="en-US" sz="2800" b="1" dirty="0">
                 <a:latin typeface="Arial" panose="020B0604020202020204" pitchFamily="34" charset="0"/>
@@ -9396,19 +9412,6 @@
               </a:rPr>
               <a:t> </a:t>
             </a:r>
-            <a:r>
-              <a:rPr lang="en-US" sz="2800" b="1">
-                <a:latin typeface="Arial" panose="020B0604020202020204" pitchFamily="34" charset="0"/>
-                <a:ea typeface="Times New Roman" panose="02020603050405020304" pitchFamily="18" charset="0"/>
-                <a:cs typeface="Arial" panose="020B0604020202020204" pitchFamily="34" charset="0"/>
-              </a:rPr>
-              <a:t>class. </a:t>
-            </a:r>
-            <a:endParaRPr lang="en-US" sz="2800" b="1" dirty="0">
-              <a:latin typeface="Arial" panose="020B0604020202020204" pitchFamily="34" charset="0"/>
-              <a:ea typeface="Times New Roman" panose="02020603050405020304" pitchFamily="18" charset="0"/>
-              <a:cs typeface="Arial" panose="020B0604020202020204" pitchFamily="34" charset="0"/>
-            </a:endParaRPr>
           </a:p>
           <a:p>
             <a:r>
@@ -9417,15 +9420,8 @@
                 <a:ea typeface="Times New Roman" panose="02020603050405020304" pitchFamily="18" charset="0"/>
                 <a:cs typeface="Arial" panose="020B0604020202020204" pitchFamily="34" charset="0"/>
               </a:rPr>
-              <a:t> </a:t>
-            </a:r>
-          </a:p>
-          <a:p>
-            <a:endParaRPr lang="en-US" sz="2800" b="1" dirty="0">
-              <a:latin typeface="Arial" panose="020B0604020202020204" pitchFamily="34" charset="0"/>
-              <a:ea typeface="Times New Roman" panose="02020603050405020304" pitchFamily="18" charset="0"/>
-              <a:cs typeface="Arial" panose="020B0604020202020204" pitchFamily="34" charset="0"/>
-            </a:endParaRPr>
+              <a:t>Attributes                        Methods</a:t>
+            </a:r>
           </a:p>
           <a:p>
             <a:r>
@@ -9833,6 +9829,267 @@
           </p:txBody>
         </p:sp>
       </p:grpSp>
+      <p:sp>
+        <p:nvSpPr>
+          <p:cNvPr id="4" name="TextBox 3">
+            <a:extLst>
+              <a:ext uri="{FF2B5EF4-FFF2-40B4-BE49-F238E27FC236}">
+                <a16:creationId xmlns:a16="http://schemas.microsoft.com/office/drawing/2014/main" id="{4716448F-A626-3457-AB6F-0A67F590288D}"/>
+              </a:ext>
+            </a:extLst>
+          </p:cNvPr>
+          <p:cNvSpPr txBox="1"/>
+          <p:nvPr/>
+        </p:nvSpPr>
+        <p:spPr>
+          <a:xfrm>
+            <a:off x="1390154" y="4258434"/>
+            <a:ext cx="2269979" cy="2062103"/>
+          </a:xfrm>
+          <a:prstGeom prst="rect">
+            <a:avLst/>
+          </a:prstGeom>
+          <a:noFill/>
+        </p:spPr>
+        <p:txBody>
+          <a:bodyPr wrap="square" rtlCol="0">
+            <a:spAutoFit/>
+          </a:bodyPr>
+          <a:lstStyle/>
+          <a:p>
+            <a:r>
+              <a:rPr lang="en-US" sz="1600" b="1" dirty="0">
+                <a:latin typeface="Arial" panose="020B0604020202020204" pitchFamily="34" charset="0"/>
+                <a:cs typeface="Arial" panose="020B0604020202020204" pitchFamily="34" charset="0"/>
+              </a:rPr>
+              <a:t>dim</a:t>
+            </a:r>
+          </a:p>
+          <a:p>
+            <a:r>
+              <a:rPr lang="en-US" sz="1600" b="1" dirty="0">
+                <a:latin typeface="Arial" panose="020B0604020202020204" pitchFamily="34" charset="0"/>
+                <a:cs typeface="Arial" panose="020B0604020202020204" pitchFamily="34" charset="0"/>
+              </a:rPr>
+              <a:t>distribution</a:t>
+            </a:r>
+          </a:p>
+          <a:p>
+            <a:r>
+              <a:rPr lang="en-US" sz="1600" b="1" dirty="0" err="1">
+                <a:latin typeface="Arial" panose="020B0604020202020204" pitchFamily="34" charset="0"/>
+                <a:cs typeface="Arial" panose="020B0604020202020204" pitchFamily="34" charset="0"/>
+              </a:rPr>
+              <a:t>initial_guess</a:t>
+            </a:r>
+            <a:endParaRPr lang="en-US" sz="1600" b="1" dirty="0">
+              <a:latin typeface="Arial" panose="020B0604020202020204" pitchFamily="34" charset="0"/>
+              <a:cs typeface="Arial" panose="020B0604020202020204" pitchFamily="34" charset="0"/>
+            </a:endParaRPr>
+          </a:p>
+          <a:p>
+            <a:r>
+              <a:rPr lang="en-US" sz="1600" b="1" dirty="0" err="1">
+                <a:latin typeface="Arial" panose="020B0604020202020204" pitchFamily="34" charset="0"/>
+                <a:cs typeface="Arial" panose="020B0604020202020204" pitchFamily="34" charset="0"/>
+              </a:rPr>
+              <a:t>n_max_iterations</a:t>
+            </a:r>
+            <a:endParaRPr lang="en-US" sz="1600" b="1" dirty="0">
+              <a:latin typeface="Arial" panose="020B0604020202020204" pitchFamily="34" charset="0"/>
+              <a:cs typeface="Arial" panose="020B0604020202020204" pitchFamily="34" charset="0"/>
+            </a:endParaRPr>
+          </a:p>
+          <a:p>
+            <a:r>
+              <a:rPr lang="en-US" sz="1600" b="1" dirty="0" err="1">
+                <a:latin typeface="Arial" panose="020B0604020202020204" pitchFamily="34" charset="0"/>
+                <a:cs typeface="Arial" panose="020B0604020202020204" pitchFamily="34" charset="0"/>
+              </a:rPr>
+              <a:t>n_points</a:t>
+            </a:r>
+            <a:endParaRPr lang="en-US" sz="1600" b="1" dirty="0">
+              <a:latin typeface="Arial" panose="020B0604020202020204" pitchFamily="34" charset="0"/>
+              <a:cs typeface="Arial" panose="020B0604020202020204" pitchFamily="34" charset="0"/>
+            </a:endParaRPr>
+          </a:p>
+          <a:p>
+            <a:r>
+              <a:rPr lang="en-US" sz="1600" b="1" dirty="0" err="1">
+                <a:latin typeface="Arial" panose="020B0604020202020204" pitchFamily="34" charset="0"/>
+                <a:cs typeface="Arial" panose="020B0604020202020204" pitchFamily="34" charset="0"/>
+              </a:rPr>
+              <a:t>objective_function</a:t>
+            </a:r>
+            <a:endParaRPr lang="en-US" sz="1600" b="1" dirty="0">
+              <a:latin typeface="Arial" panose="020B0604020202020204" pitchFamily="34" charset="0"/>
+              <a:cs typeface="Arial" panose="020B0604020202020204" pitchFamily="34" charset="0"/>
+            </a:endParaRPr>
+          </a:p>
+          <a:p>
+            <a:r>
+              <a:rPr lang="en-US" sz="1600" b="1" dirty="0" err="1">
+                <a:latin typeface="Arial" panose="020B0604020202020204" pitchFamily="34" charset="0"/>
+                <a:cs typeface="Arial" panose="020B0604020202020204" pitchFamily="34" charset="0"/>
+              </a:rPr>
+              <a:t>step_size</a:t>
+            </a:r>
+            <a:endParaRPr lang="en-US" sz="1600" b="1" dirty="0">
+              <a:latin typeface="Arial" panose="020B0604020202020204" pitchFamily="34" charset="0"/>
+              <a:cs typeface="Arial" panose="020B0604020202020204" pitchFamily="34" charset="0"/>
+            </a:endParaRPr>
+          </a:p>
+          <a:p>
+            <a:r>
+              <a:rPr lang="en-US" sz="1600" b="1" dirty="0">
+                <a:latin typeface="Arial" panose="020B0604020202020204" pitchFamily="34" charset="0"/>
+                <a:cs typeface="Arial" panose="020B0604020202020204" pitchFamily="34" charset="0"/>
+              </a:rPr>
+              <a:t>toleranc</a:t>
+            </a:r>
+            <a:r>
+              <a:rPr lang="en-US" sz="1600" dirty="0">
+                <a:latin typeface="Arial" panose="020B0604020202020204" pitchFamily="34" charset="0"/>
+                <a:cs typeface="Arial" panose="020B0604020202020204" pitchFamily="34" charset="0"/>
+              </a:rPr>
+              <a:t>e</a:t>
+            </a:r>
+          </a:p>
+        </p:txBody>
+      </p:sp>
+      <p:sp>
+        <p:nvSpPr>
+          <p:cNvPr id="10" name="TextBox 9">
+            <a:extLst>
+              <a:ext uri="{FF2B5EF4-FFF2-40B4-BE49-F238E27FC236}">
+                <a16:creationId xmlns:a16="http://schemas.microsoft.com/office/drawing/2014/main" id="{8B6D397A-0C6D-0F61-0520-1F2E0A18955E}"/>
+              </a:ext>
+            </a:extLst>
+          </p:cNvPr>
+          <p:cNvSpPr txBox="1"/>
+          <p:nvPr/>
+        </p:nvSpPr>
+        <p:spPr>
+          <a:xfrm>
+            <a:off x="5202358" y="4315234"/>
+            <a:ext cx="3110369" cy="1969770"/>
+          </a:xfrm>
+          <a:prstGeom prst="rect">
+            <a:avLst/>
+          </a:prstGeom>
+          <a:noFill/>
+        </p:spPr>
+        <p:txBody>
+          <a:bodyPr wrap="square" rtlCol="0">
+            <a:spAutoFit/>
+          </a:bodyPr>
+          <a:lstStyle/>
+          <a:p>
+            <a:r>
+              <a:rPr lang="en-US" sz="1000" b="1" dirty="0">
+                <a:latin typeface="Arial" panose="020B0604020202020204" pitchFamily="34" charset="0"/>
+                <a:cs typeface="Arial" panose="020B0604020202020204" pitchFamily="34" charset="0"/>
+              </a:rPr>
+              <a:t>  </a:t>
+            </a:r>
+            <a:r>
+              <a:rPr lang="en-US" sz="1600" b="1" dirty="0">
+                <a:latin typeface="Arial" panose="020B0604020202020204" pitchFamily="34" charset="0"/>
+                <a:cs typeface="Arial" panose="020B0604020202020204" pitchFamily="34" charset="0"/>
+              </a:rPr>
+              <a:t>Initialize() </a:t>
+            </a:r>
+          </a:p>
+          <a:p>
+            <a:r>
+              <a:rPr lang="en-US" sz="1600" b="1" dirty="0">
+                <a:latin typeface="Arial" panose="020B0604020202020204" pitchFamily="34" charset="0"/>
+                <a:cs typeface="Arial" panose="020B0604020202020204" pitchFamily="34" charset="0"/>
+              </a:rPr>
+              <a:t> contract()</a:t>
+            </a:r>
+          </a:p>
+          <a:p>
+            <a:r>
+              <a:rPr lang="en-US" sz="1600" b="1" dirty="0">
+                <a:latin typeface="Arial" panose="020B0604020202020204" pitchFamily="34" charset="0"/>
+                <a:cs typeface="Arial" panose="020B0604020202020204" pitchFamily="34" charset="0"/>
+              </a:rPr>
+              <a:t> reflect()</a:t>
+            </a:r>
+          </a:p>
+          <a:p>
+            <a:r>
+              <a:rPr lang="en-US" sz="1600" b="1" dirty="0">
+                <a:latin typeface="Arial" panose="020B0604020202020204" pitchFamily="34" charset="0"/>
+                <a:cs typeface="Arial" panose="020B0604020202020204" pitchFamily="34" charset="0"/>
+              </a:rPr>
+              <a:t> shrink()</a:t>
+            </a:r>
+          </a:p>
+          <a:p>
+            <a:r>
+              <a:rPr lang="en-US" sz="1600" b="1" dirty="0">
+                <a:latin typeface="Arial" panose="020B0604020202020204" pitchFamily="34" charset="0"/>
+                <a:cs typeface="Arial" panose="020B0604020202020204" pitchFamily="34" charset="0"/>
+              </a:rPr>
+              <a:t> </a:t>
+            </a:r>
+            <a:r>
+              <a:rPr lang="en-US" sz="1600" b="1" dirty="0" err="1">
+                <a:latin typeface="Arial" panose="020B0604020202020204" pitchFamily="34" charset="0"/>
+                <a:cs typeface="Arial" panose="020B0604020202020204" pitchFamily="34" charset="0"/>
+              </a:rPr>
+              <a:t>update_m</a:t>
+            </a:r>
+            <a:r>
+              <a:rPr lang="en-US" sz="1600" b="1" dirty="0">
+                <a:latin typeface="Arial" panose="020B0604020202020204" pitchFamily="34" charset="0"/>
+                <a:cs typeface="Arial" panose="020B0604020202020204" pitchFamily="34" charset="0"/>
+              </a:rPr>
+              <a:t>()                                    </a:t>
+            </a:r>
+          </a:p>
+          <a:p>
+            <a:r>
+              <a:rPr lang="en-US" sz="1600" b="1" dirty="0">
+                <a:latin typeface="Arial" panose="020B0604020202020204" pitchFamily="34" charset="0"/>
+                <a:cs typeface="Arial" panose="020B0604020202020204" pitchFamily="34" charset="0"/>
+              </a:rPr>
+              <a:t> </a:t>
+            </a:r>
+            <a:r>
+              <a:rPr lang="en-US" sz="1600" b="1" dirty="0" err="1">
+                <a:latin typeface="Arial" panose="020B0604020202020204" pitchFamily="34" charset="0"/>
+                <a:cs typeface="Arial" panose="020B0604020202020204" pitchFamily="34" charset="0"/>
+              </a:rPr>
+              <a:t>update_c</a:t>
+            </a:r>
+            <a:r>
+              <a:rPr lang="en-US" sz="1600" b="1" dirty="0">
+                <a:latin typeface="Arial" panose="020B0604020202020204" pitchFamily="34" charset="0"/>
+                <a:cs typeface="Arial" panose="020B0604020202020204" pitchFamily="34" charset="0"/>
+              </a:rPr>
+              <a:t>()</a:t>
+            </a:r>
+          </a:p>
+          <a:p>
+            <a:r>
+              <a:rPr lang="en-US" sz="1600" b="1" dirty="0">
+                <a:latin typeface="Arial" panose="020B0604020202020204" pitchFamily="34" charset="0"/>
+                <a:cs typeface="Arial" panose="020B0604020202020204" pitchFamily="34" charset="0"/>
+              </a:rPr>
+              <a:t> stop()</a:t>
+            </a:r>
+          </a:p>
+          <a:p>
+            <a:endParaRPr lang="en-US" sz="1000" b="1" dirty="0">
+              <a:latin typeface="Arial" panose="020B0604020202020204" pitchFamily="34" charset="0"/>
+              <a:cs typeface="Arial" panose="020B0604020202020204" pitchFamily="34" charset="0"/>
+            </a:endParaRPr>
+          </a:p>
+        </p:txBody>
+      </p:sp>
     </p:spTree>
     <p:extLst>
       <p:ext uri="{BB962C8B-B14F-4D97-AF65-F5344CB8AC3E}">
@@ -9847,6 +10104,556 @@
 </file>
 
 <file path=ppt/slides/slide18.xml><?xml version="1.0" encoding="utf-8"?>
+<p:sld xmlns:a="http://schemas.openxmlformats.org/drawingml/2006/main" xmlns:r="http://schemas.openxmlformats.org/officeDocument/2006/relationships" xmlns:p="http://schemas.openxmlformats.org/presentationml/2006/main">
+  <p:cSld>
+    <p:spTree>
+      <p:nvGrpSpPr>
+        <p:cNvPr id="1" name=""/>
+        <p:cNvGrpSpPr/>
+        <p:nvPr/>
+      </p:nvGrpSpPr>
+      <p:grpSpPr>
+        <a:xfrm>
+          <a:off x="0" y="0"/>
+          <a:ext cx="0" cy="0"/>
+          <a:chOff x="0" y="0"/>
+          <a:chExt cx="0" cy="0"/>
+        </a:xfrm>
+      </p:grpSpPr>
+      <p:sp>
+        <p:nvSpPr>
+          <p:cNvPr id="3" name="TextBox 2">
+            <a:extLst>
+              <a:ext uri="{FF2B5EF4-FFF2-40B4-BE49-F238E27FC236}">
+                <a16:creationId xmlns:a16="http://schemas.microsoft.com/office/drawing/2014/main" id="{D22182D6-21D5-EA78-420B-EC66565F7ABC}"/>
+              </a:ext>
+            </a:extLst>
+          </p:cNvPr>
+          <p:cNvSpPr txBox="1"/>
+          <p:nvPr/>
+        </p:nvSpPr>
+        <p:spPr>
+          <a:xfrm>
+            <a:off x="959203" y="610134"/>
+            <a:ext cx="9296578" cy="4524315"/>
+          </a:xfrm>
+          <a:prstGeom prst="rect">
+            <a:avLst/>
+          </a:prstGeom>
+          <a:noFill/>
+        </p:spPr>
+        <p:txBody>
+          <a:bodyPr wrap="square">
+            <a:spAutoFit/>
+          </a:bodyPr>
+          <a:lstStyle/>
+          <a:p>
+            <a:r>
+              <a:rPr lang="ru-RU" sz="800" b="1" dirty="0">
+                <a:latin typeface="Times New Roman" panose="02020603050405020304" pitchFamily="18" charset="0"/>
+                <a:ea typeface="Times New Roman" panose="02020603050405020304" pitchFamily="18" charset="0"/>
+                <a:cs typeface="Times New Roman" panose="02020603050405020304" pitchFamily="18" charset="0"/>
+              </a:rPr>
+              <a:t> </a:t>
+            </a:r>
+          </a:p>
+          <a:p>
+            <a:r>
+              <a:rPr lang="en-US" sz="2800" b="1" dirty="0">
+                <a:latin typeface="Arial" panose="020B0604020202020204" pitchFamily="34" charset="0"/>
+                <a:ea typeface="Times New Roman" panose="02020603050405020304" pitchFamily="18" charset="0"/>
+                <a:cs typeface="Arial" panose="020B0604020202020204" pitchFamily="34" charset="0"/>
+              </a:rPr>
+              <a:t>                           </a:t>
+            </a:r>
+            <a:r>
+              <a:rPr lang="en-US" sz="2800" b="1" dirty="0" err="1">
+                <a:latin typeface="Arial" panose="020B0604020202020204" pitchFamily="34" charset="0"/>
+                <a:ea typeface="Times New Roman" panose="02020603050405020304" pitchFamily="18" charset="0"/>
+                <a:cs typeface="Arial" panose="020B0604020202020204" pitchFamily="34" charset="0"/>
+              </a:rPr>
+              <a:t>MinPy</a:t>
+            </a:r>
+            <a:r>
+              <a:rPr lang="en-US" sz="2800" b="1" dirty="0">
+                <a:latin typeface="Arial" panose="020B0604020202020204" pitchFamily="34" charset="0"/>
+                <a:ea typeface="Times New Roman" panose="02020603050405020304" pitchFamily="18" charset="0"/>
+                <a:cs typeface="Arial" panose="020B0604020202020204" pitchFamily="34" charset="0"/>
+              </a:rPr>
+              <a:t> code Organization</a:t>
+            </a:r>
+          </a:p>
+          <a:p>
+            <a:endParaRPr lang="en-US" sz="2800" b="1" dirty="0">
+              <a:latin typeface="Arial" panose="020B0604020202020204" pitchFamily="34" charset="0"/>
+              <a:ea typeface="Times New Roman" panose="02020603050405020304" pitchFamily="18" charset="0"/>
+              <a:cs typeface="Arial" panose="020B0604020202020204" pitchFamily="34" charset="0"/>
+            </a:endParaRPr>
+          </a:p>
+          <a:p>
+            <a:endParaRPr lang="en-US" sz="2800" b="1" dirty="0">
+              <a:latin typeface="Arial" panose="020B0604020202020204" pitchFamily="34" charset="0"/>
+              <a:ea typeface="Times New Roman" panose="02020603050405020304" pitchFamily="18" charset="0"/>
+              <a:cs typeface="Arial" panose="020B0604020202020204" pitchFamily="34" charset="0"/>
+            </a:endParaRPr>
+          </a:p>
+          <a:p>
+            <a:r>
+              <a:rPr lang="en-US" sz="2800" b="1" dirty="0">
+                <a:latin typeface="Arial" panose="020B0604020202020204" pitchFamily="34" charset="0"/>
+                <a:ea typeface="Times New Roman" panose="02020603050405020304" pitchFamily="18" charset="0"/>
+                <a:cs typeface="Arial" panose="020B0604020202020204" pitchFamily="34" charset="0"/>
+              </a:rPr>
+              <a:t>A new strategy should be created as follows: </a:t>
+            </a:r>
+          </a:p>
+          <a:p>
+            <a:r>
+              <a:rPr lang="en-US" sz="2800" b="1" dirty="0">
+                <a:latin typeface="Arial" panose="020B0604020202020204" pitchFamily="34" charset="0"/>
+                <a:ea typeface="Times New Roman" panose="02020603050405020304" pitchFamily="18" charset="0"/>
+                <a:cs typeface="Arial" panose="020B0604020202020204" pitchFamily="34" charset="0"/>
+              </a:rPr>
+              <a:t>Create a class that inherits from Minimization class.</a:t>
+            </a:r>
+          </a:p>
+          <a:p>
+            <a:r>
+              <a:rPr lang="en-US" sz="2800" b="1" dirty="0">
+                <a:latin typeface="Arial" panose="020B0604020202020204" pitchFamily="34" charset="0"/>
+                <a:ea typeface="Times New Roman" panose="02020603050405020304" pitchFamily="18" charset="0"/>
+                <a:cs typeface="Arial" panose="020B0604020202020204" pitchFamily="34" charset="0"/>
+              </a:rPr>
+              <a:t>Add a method that implements your strategy. It should rely on building blocks from Minimization class that can be used as is or be overwritten. </a:t>
+            </a:r>
+          </a:p>
+          <a:p>
+            <a:endParaRPr lang="en-US" sz="2800" b="1" dirty="0">
+              <a:latin typeface="Arial" panose="020B0604020202020204" pitchFamily="34" charset="0"/>
+              <a:ea typeface="Times New Roman" panose="02020603050405020304" pitchFamily="18" charset="0"/>
+              <a:cs typeface="Arial" panose="020B0604020202020204" pitchFamily="34" charset="0"/>
+            </a:endParaRPr>
+          </a:p>
+          <a:p>
+            <a:r>
+              <a:rPr lang="ru-RU" sz="2800" b="1" dirty="0">
+                <a:latin typeface="Arial" panose="020B0604020202020204" pitchFamily="34" charset="0"/>
+                <a:ea typeface="Times New Roman" panose="02020603050405020304" pitchFamily="18" charset="0"/>
+                <a:cs typeface="Arial" panose="020B0604020202020204" pitchFamily="34" charset="0"/>
+              </a:rPr>
+              <a:t>    </a:t>
+            </a:r>
+            <a:endParaRPr lang="en-US" sz="2800" dirty="0">
+              <a:latin typeface="Arial" panose="020B0604020202020204" pitchFamily="34" charset="0"/>
+              <a:cs typeface="Arial" panose="020B0604020202020204" pitchFamily="34" charset="0"/>
+            </a:endParaRPr>
+          </a:p>
+        </p:txBody>
+      </p:sp>
+      <p:grpSp>
+        <p:nvGrpSpPr>
+          <p:cNvPr id="2" name="Group 1">
+            <a:extLst>
+              <a:ext uri="{FF2B5EF4-FFF2-40B4-BE49-F238E27FC236}">
+                <a16:creationId xmlns:a16="http://schemas.microsoft.com/office/drawing/2014/main" id="{4CF61EE4-E7A2-6B86-1316-3B9B69D88FA6}"/>
+              </a:ext>
+            </a:extLst>
+          </p:cNvPr>
+          <p:cNvGrpSpPr/>
+          <p:nvPr/>
+        </p:nvGrpSpPr>
+        <p:grpSpPr>
+          <a:xfrm>
+            <a:off x="0" y="0"/>
+            <a:ext cx="12191999" cy="6858000"/>
+            <a:chOff x="0" y="1"/>
+            <a:chExt cx="12207310" cy="6857999"/>
+          </a:xfrm>
+        </p:grpSpPr>
+        <p:sp>
+          <p:nvSpPr>
+            <p:cNvPr id="5" name="TextBox 4">
+              <a:extLst>
+                <a:ext uri="{FF2B5EF4-FFF2-40B4-BE49-F238E27FC236}">
+                  <a16:creationId xmlns:a16="http://schemas.microsoft.com/office/drawing/2014/main" id="{50FBE970-0B1F-B9A1-6DFF-0389425C32F0}"/>
+                </a:ext>
+              </a:extLst>
+            </p:cNvPr>
+            <p:cNvSpPr txBox="1"/>
+            <p:nvPr/>
+          </p:nvSpPr>
+          <p:spPr>
+            <a:xfrm>
+              <a:off x="960409" y="2782404"/>
+              <a:ext cx="10185991" cy="3046988"/>
+            </a:xfrm>
+            <a:prstGeom prst="rect">
+              <a:avLst/>
+            </a:prstGeom>
+            <a:noFill/>
+          </p:spPr>
+          <p:txBody>
+            <a:bodyPr wrap="square" rtlCol="0">
+              <a:spAutoFit/>
+            </a:bodyPr>
+            <a:lstStyle/>
+            <a:p>
+              <a:r>
+                <a:rPr lang="en-US" sz="3200" b="1" dirty="0"/>
+                <a:t>                </a:t>
+              </a:r>
+            </a:p>
+            <a:p>
+              <a:endParaRPr lang="en-US" sz="3200" b="1" dirty="0"/>
+            </a:p>
+            <a:p>
+              <a:endParaRPr lang="en-US" sz="3200" b="1" dirty="0">
+                <a:latin typeface="Arial" panose="020B0604020202020204" pitchFamily="34" charset="0"/>
+                <a:cs typeface="Arial" panose="020B0604020202020204" pitchFamily="34" charset="0"/>
+              </a:endParaRPr>
+            </a:p>
+            <a:p>
+              <a:endParaRPr lang="en-US" sz="3200" b="1" dirty="0">
+                <a:latin typeface="Arial" panose="020B0604020202020204" pitchFamily="34" charset="0"/>
+                <a:cs typeface="Arial" panose="020B0604020202020204" pitchFamily="34" charset="0"/>
+              </a:endParaRPr>
+            </a:p>
+            <a:p>
+              <a:endParaRPr lang="en-US" sz="3200" b="1" dirty="0">
+                <a:latin typeface="Arial" panose="020B0604020202020204" pitchFamily="34" charset="0"/>
+                <a:cs typeface="Arial" panose="020B0604020202020204" pitchFamily="34" charset="0"/>
+              </a:endParaRPr>
+            </a:p>
+            <a:p>
+              <a:r>
+                <a:rPr lang="en-US" sz="3200" b="1" dirty="0">
+                  <a:latin typeface="Arial" panose="020B0604020202020204" pitchFamily="34" charset="0"/>
+                  <a:cs typeface="Arial" panose="020B0604020202020204" pitchFamily="34" charset="0"/>
+                </a:rPr>
+                <a:t> </a:t>
+              </a:r>
+            </a:p>
+          </p:txBody>
+        </p:sp>
+        <p:sp>
+          <p:nvSpPr>
+            <p:cNvPr id="6" name="Arrow: Pentagon 5">
+              <a:extLst>
+                <a:ext uri="{FF2B5EF4-FFF2-40B4-BE49-F238E27FC236}">
+                  <a16:creationId xmlns:a16="http://schemas.microsoft.com/office/drawing/2014/main" id="{AFA82373-78C4-4C28-D50E-AA4248D2A0B5}"/>
+                </a:ext>
+              </a:extLst>
+            </p:cNvPr>
+            <p:cNvSpPr/>
+            <p:nvPr/>
+          </p:nvSpPr>
+          <p:spPr>
+            <a:xfrm rot="5400000">
+              <a:off x="-3328859" y="3328861"/>
+              <a:ext cx="6857998" cy="200280"/>
+            </a:xfrm>
+            <a:prstGeom prst="homePlate">
+              <a:avLst>
+                <a:gd name="adj" fmla="val 1168"/>
+              </a:avLst>
+            </a:prstGeom>
+            <a:gradFill flip="none" rotWithShape="1">
+              <a:gsLst>
+                <a:gs pos="0">
+                  <a:schemeClr val="accent3">
+                    <a:lumMod val="40000"/>
+                    <a:lumOff val="60000"/>
+                  </a:schemeClr>
+                </a:gs>
+                <a:gs pos="46000">
+                  <a:schemeClr val="accent3">
+                    <a:lumMod val="95000"/>
+                    <a:lumOff val="5000"/>
+                  </a:schemeClr>
+                </a:gs>
+                <a:gs pos="100000">
+                  <a:schemeClr val="accent3">
+                    <a:lumMod val="60000"/>
+                  </a:schemeClr>
+                </a:gs>
+              </a:gsLst>
+              <a:path path="circle">
+                <a:fillToRect l="50000" t="130000" r="50000" b="-30000"/>
+              </a:path>
+              <a:tileRect/>
+            </a:gradFill>
+            <a:ln>
+              <a:noFill/>
+            </a:ln>
+          </p:spPr>
+          <p:style>
+            <a:lnRef idx="2">
+              <a:schemeClr val="accent1">
+                <a:shade val="50000"/>
+              </a:schemeClr>
+            </a:lnRef>
+            <a:fillRef idx="1">
+              <a:schemeClr val="accent1"/>
+            </a:fillRef>
+            <a:effectRef idx="0">
+              <a:schemeClr val="accent1"/>
+            </a:effectRef>
+            <a:fontRef idx="minor">
+              <a:schemeClr val="lt1"/>
+            </a:fontRef>
+          </p:style>
+          <p:txBody>
+            <a:bodyPr rtlCol="0" anchor="ctr"/>
+            <a:lstStyle/>
+            <a:p>
+              <a:pPr algn="ctr"/>
+              <a:endParaRPr lang="en-US" sz="375" dirty="0"/>
+            </a:p>
+          </p:txBody>
+        </p:sp>
+        <p:sp>
+          <p:nvSpPr>
+            <p:cNvPr id="7" name="Arrow: Pentagon 6">
+              <a:extLst>
+                <a:ext uri="{FF2B5EF4-FFF2-40B4-BE49-F238E27FC236}">
+                  <a16:creationId xmlns:a16="http://schemas.microsoft.com/office/drawing/2014/main" id="{0A974EEF-EEE5-EE45-DB1E-8B2D7A6FA275}"/>
+                </a:ext>
+              </a:extLst>
+            </p:cNvPr>
+            <p:cNvSpPr/>
+            <p:nvPr/>
+          </p:nvSpPr>
+          <p:spPr>
+            <a:xfrm rot="5400000">
+              <a:off x="8678171" y="3328861"/>
+              <a:ext cx="6857998" cy="200280"/>
+            </a:xfrm>
+            <a:prstGeom prst="homePlate">
+              <a:avLst>
+                <a:gd name="adj" fmla="val 1168"/>
+              </a:avLst>
+            </a:prstGeom>
+            <a:gradFill flip="none" rotWithShape="1">
+              <a:gsLst>
+                <a:gs pos="0">
+                  <a:schemeClr val="accent3">
+                    <a:lumMod val="40000"/>
+                    <a:lumOff val="60000"/>
+                  </a:schemeClr>
+                </a:gs>
+                <a:gs pos="46000">
+                  <a:schemeClr val="accent3">
+                    <a:lumMod val="95000"/>
+                    <a:lumOff val="5000"/>
+                  </a:schemeClr>
+                </a:gs>
+                <a:gs pos="100000">
+                  <a:schemeClr val="accent3">
+                    <a:lumMod val="60000"/>
+                  </a:schemeClr>
+                </a:gs>
+              </a:gsLst>
+              <a:path path="circle">
+                <a:fillToRect l="50000" t="130000" r="50000" b="-30000"/>
+              </a:path>
+              <a:tileRect/>
+            </a:gradFill>
+            <a:ln>
+              <a:noFill/>
+            </a:ln>
+          </p:spPr>
+          <p:style>
+            <a:lnRef idx="2">
+              <a:schemeClr val="accent1">
+                <a:shade val="50000"/>
+              </a:schemeClr>
+            </a:lnRef>
+            <a:fillRef idx="1">
+              <a:schemeClr val="accent1"/>
+            </a:fillRef>
+            <a:effectRef idx="0">
+              <a:schemeClr val="accent1"/>
+            </a:effectRef>
+            <a:fontRef idx="minor">
+              <a:schemeClr val="lt1"/>
+            </a:fontRef>
+          </p:style>
+          <p:txBody>
+            <a:bodyPr rtlCol="0" anchor="ctr"/>
+            <a:lstStyle/>
+            <a:p>
+              <a:pPr algn="ctr"/>
+              <a:endParaRPr lang="en-US" sz="375" dirty="0"/>
+            </a:p>
+          </p:txBody>
+        </p:sp>
+        <p:sp>
+          <p:nvSpPr>
+            <p:cNvPr id="8" name="Arrow: Pentagon 7">
+              <a:extLst>
+                <a:ext uri="{FF2B5EF4-FFF2-40B4-BE49-F238E27FC236}">
+                  <a16:creationId xmlns:a16="http://schemas.microsoft.com/office/drawing/2014/main" id="{9BFB7247-B664-1E80-9A13-D605901FDE02}"/>
+                </a:ext>
+              </a:extLst>
+            </p:cNvPr>
+            <p:cNvSpPr/>
+            <p:nvPr/>
+          </p:nvSpPr>
+          <p:spPr>
+            <a:xfrm>
+              <a:off x="200279" y="1"/>
+              <a:ext cx="11907257" cy="231354"/>
+            </a:xfrm>
+            <a:prstGeom prst="homePlate">
+              <a:avLst>
+                <a:gd name="adj" fmla="val 1168"/>
+              </a:avLst>
+            </a:prstGeom>
+            <a:gradFill flip="none" rotWithShape="1">
+              <a:gsLst>
+                <a:gs pos="0">
+                  <a:schemeClr val="accent3">
+                    <a:lumMod val="40000"/>
+                    <a:lumOff val="60000"/>
+                  </a:schemeClr>
+                </a:gs>
+                <a:gs pos="46000">
+                  <a:schemeClr val="accent3">
+                    <a:lumMod val="95000"/>
+                    <a:lumOff val="5000"/>
+                  </a:schemeClr>
+                </a:gs>
+                <a:gs pos="100000">
+                  <a:schemeClr val="accent3">
+                    <a:lumMod val="60000"/>
+                  </a:schemeClr>
+                </a:gs>
+              </a:gsLst>
+              <a:path path="circle">
+                <a:fillToRect l="50000" t="130000" r="50000" b="-30000"/>
+              </a:path>
+              <a:tileRect/>
+            </a:gradFill>
+            <a:ln>
+              <a:noFill/>
+            </a:ln>
+          </p:spPr>
+          <p:style>
+            <a:lnRef idx="2">
+              <a:schemeClr val="accent1">
+                <a:shade val="50000"/>
+              </a:schemeClr>
+            </a:lnRef>
+            <a:fillRef idx="1">
+              <a:schemeClr val="accent1"/>
+            </a:fillRef>
+            <a:effectRef idx="0">
+              <a:schemeClr val="accent1"/>
+            </a:effectRef>
+            <a:fontRef idx="minor">
+              <a:schemeClr val="lt1"/>
+            </a:fontRef>
+          </p:style>
+          <p:txBody>
+            <a:bodyPr rtlCol="0" anchor="ctr"/>
+            <a:lstStyle/>
+            <a:p>
+              <a:pPr algn="ctr"/>
+              <a:endParaRPr lang="en-US" sz="375" dirty="0"/>
+            </a:p>
+          </p:txBody>
+        </p:sp>
+        <p:sp>
+          <p:nvSpPr>
+            <p:cNvPr id="9" name="Arrow: Pentagon 8">
+              <a:extLst>
+                <a:ext uri="{FF2B5EF4-FFF2-40B4-BE49-F238E27FC236}">
+                  <a16:creationId xmlns:a16="http://schemas.microsoft.com/office/drawing/2014/main" id="{1C19C0B5-96E1-2C95-8F7E-1CC95C022203}"/>
+                </a:ext>
+              </a:extLst>
+            </p:cNvPr>
+            <p:cNvSpPr/>
+            <p:nvPr/>
+          </p:nvSpPr>
+          <p:spPr>
+            <a:xfrm>
+              <a:off x="200279" y="6626644"/>
+              <a:ext cx="11907257" cy="231354"/>
+            </a:xfrm>
+            <a:prstGeom prst="homePlate">
+              <a:avLst>
+                <a:gd name="adj" fmla="val 1168"/>
+              </a:avLst>
+            </a:prstGeom>
+            <a:gradFill flip="none" rotWithShape="1">
+              <a:gsLst>
+                <a:gs pos="0">
+                  <a:schemeClr val="accent3">
+                    <a:lumMod val="40000"/>
+                    <a:lumOff val="60000"/>
+                  </a:schemeClr>
+                </a:gs>
+                <a:gs pos="46000">
+                  <a:schemeClr val="accent3">
+                    <a:lumMod val="95000"/>
+                    <a:lumOff val="5000"/>
+                  </a:schemeClr>
+                </a:gs>
+                <a:gs pos="100000">
+                  <a:schemeClr val="accent3">
+                    <a:lumMod val="60000"/>
+                  </a:schemeClr>
+                </a:gs>
+              </a:gsLst>
+              <a:path path="circle">
+                <a:fillToRect l="50000" t="130000" r="50000" b="-30000"/>
+              </a:path>
+              <a:tileRect/>
+            </a:gradFill>
+            <a:ln>
+              <a:noFill/>
+            </a:ln>
+          </p:spPr>
+          <p:style>
+            <a:lnRef idx="2">
+              <a:schemeClr val="accent1">
+                <a:shade val="50000"/>
+              </a:schemeClr>
+            </a:lnRef>
+            <a:fillRef idx="1">
+              <a:schemeClr val="accent1"/>
+            </a:fillRef>
+            <a:effectRef idx="0">
+              <a:schemeClr val="accent1"/>
+            </a:effectRef>
+            <a:fontRef idx="minor">
+              <a:schemeClr val="lt1"/>
+            </a:fontRef>
+          </p:style>
+          <p:txBody>
+            <a:bodyPr rtlCol="0" anchor="ctr"/>
+            <a:lstStyle/>
+            <a:p>
+              <a:pPr algn="ctr"/>
+              <a:endParaRPr lang="en-US" sz="375" dirty="0"/>
+            </a:p>
+          </p:txBody>
+        </p:sp>
+      </p:grpSp>
+    </p:spTree>
+    <p:extLst>
+      <p:ext uri="{BB962C8B-B14F-4D97-AF65-F5344CB8AC3E}">
+        <p14:creationId xmlns:p14="http://schemas.microsoft.com/office/powerpoint/2010/main" val="2615103596"/>
+      </p:ext>
+    </p:extLst>
+  </p:cSld>
+  <p:clrMapOvr>
+    <a:masterClrMapping/>
+  </p:clrMapOvr>
+</p:sld>
+</file>
+
+<file path=ppt/slides/slide19.xml><?xml version="1.0" encoding="utf-8"?>
 <p:sld xmlns:a="http://schemas.openxmlformats.org/drawingml/2006/main" xmlns:r="http://schemas.openxmlformats.org/officeDocument/2006/relationships" xmlns:p="http://schemas.openxmlformats.org/presentationml/2006/main">
   <p:cSld>
     <p:spTree>

--- a/2022-Scipy_presentation.pptx
+++ b/2022-Scipy_presentation.pptx
@@ -32,7 +32,8 @@
     <p:sldId id="406" r:id="rId26"/>
     <p:sldId id="405" r:id="rId27"/>
     <p:sldId id="417" r:id="rId28"/>
-    <p:sldId id="418" r:id="rId29"/>
+    <p:sldId id="420" r:id="rId29"/>
+    <p:sldId id="418" r:id="rId30"/>
   </p:sldIdLst>
   <p:sldSz cx="12192000" cy="6858000"/>
   <p:notesSz cx="6858000" cy="9144000"/>
@@ -297,7 +298,7 @@
           <a:p>
             <a:fld id="{C6298CFF-EFAF-46EE-83AD-28A904FE1F93}" type="datetimeFigureOut">
               <a:rPr lang="en-US" smtClean="0"/>
-              <a:t>10/30/2022</a:t>
+              <a:t>11/19/2022</a:t>
             </a:fld>
             <a:endParaRPr lang="en-US"/>
           </a:p>
@@ -495,7 +496,7 @@
           <a:p>
             <a:fld id="{C6298CFF-EFAF-46EE-83AD-28A904FE1F93}" type="datetimeFigureOut">
               <a:rPr lang="en-US" smtClean="0"/>
-              <a:t>10/30/2022</a:t>
+              <a:t>11/19/2022</a:t>
             </a:fld>
             <a:endParaRPr lang="en-US"/>
           </a:p>
@@ -703,7 +704,7 @@
           <a:p>
             <a:fld id="{C6298CFF-EFAF-46EE-83AD-28A904FE1F93}" type="datetimeFigureOut">
               <a:rPr lang="en-US" smtClean="0"/>
-              <a:t>10/30/2022</a:t>
+              <a:t>11/19/2022</a:t>
             </a:fld>
             <a:endParaRPr lang="en-US"/>
           </a:p>
@@ -901,7 +902,7 @@
           <a:p>
             <a:fld id="{C6298CFF-EFAF-46EE-83AD-28A904FE1F93}" type="datetimeFigureOut">
               <a:rPr lang="en-US" smtClean="0"/>
-              <a:t>10/30/2022</a:t>
+              <a:t>11/19/2022</a:t>
             </a:fld>
             <a:endParaRPr lang="en-US"/>
           </a:p>
@@ -1176,7 +1177,7 @@
           <a:p>
             <a:fld id="{C6298CFF-EFAF-46EE-83AD-28A904FE1F93}" type="datetimeFigureOut">
               <a:rPr lang="en-US" smtClean="0"/>
-              <a:t>10/30/2022</a:t>
+              <a:t>11/19/2022</a:t>
             </a:fld>
             <a:endParaRPr lang="en-US"/>
           </a:p>
@@ -1441,7 +1442,7 @@
           <a:p>
             <a:fld id="{C6298CFF-EFAF-46EE-83AD-28A904FE1F93}" type="datetimeFigureOut">
               <a:rPr lang="en-US" smtClean="0"/>
-              <a:t>10/30/2022</a:t>
+              <a:t>11/19/2022</a:t>
             </a:fld>
             <a:endParaRPr lang="en-US"/>
           </a:p>
@@ -1853,7 +1854,7 @@
           <a:p>
             <a:fld id="{C6298CFF-EFAF-46EE-83AD-28A904FE1F93}" type="datetimeFigureOut">
               <a:rPr lang="en-US" smtClean="0"/>
-              <a:t>10/30/2022</a:t>
+              <a:t>11/19/2022</a:t>
             </a:fld>
             <a:endParaRPr lang="en-US"/>
           </a:p>
@@ -1994,7 +1995,7 @@
           <a:p>
             <a:fld id="{C6298CFF-EFAF-46EE-83AD-28A904FE1F93}" type="datetimeFigureOut">
               <a:rPr lang="en-US" smtClean="0"/>
-              <a:t>10/30/2022</a:t>
+              <a:t>11/19/2022</a:t>
             </a:fld>
             <a:endParaRPr lang="en-US"/>
           </a:p>
@@ -2107,7 +2108,7 @@
           <a:p>
             <a:fld id="{C6298CFF-EFAF-46EE-83AD-28A904FE1F93}" type="datetimeFigureOut">
               <a:rPr lang="en-US" smtClean="0"/>
-              <a:t>10/30/2022</a:t>
+              <a:t>11/19/2022</a:t>
             </a:fld>
             <a:endParaRPr lang="en-US"/>
           </a:p>
@@ -2418,7 +2419,7 @@
           <a:p>
             <a:fld id="{C6298CFF-EFAF-46EE-83AD-28A904FE1F93}" type="datetimeFigureOut">
               <a:rPr lang="en-US" smtClean="0"/>
-              <a:t>10/30/2022</a:t>
+              <a:t>11/19/2022</a:t>
             </a:fld>
             <a:endParaRPr lang="en-US"/>
           </a:p>
@@ -2706,7 +2707,7 @@
           <a:p>
             <a:fld id="{C6298CFF-EFAF-46EE-83AD-28A904FE1F93}" type="datetimeFigureOut">
               <a:rPr lang="en-US" smtClean="0"/>
-              <a:t>10/30/2022</a:t>
+              <a:t>11/19/2022</a:t>
             </a:fld>
             <a:endParaRPr lang="en-US"/>
           </a:p>
@@ -2953,7 +2954,7 @@
           <a:p>
             <a:fld id="{C6298CFF-EFAF-46EE-83AD-28A904FE1F93}" type="datetimeFigureOut">
               <a:rPr lang="en-US" smtClean="0"/>
-              <a:t>10/30/2022</a:t>
+              <a:t>11/19/2022</a:t>
             </a:fld>
             <a:endParaRPr lang="en-US"/>
           </a:p>
@@ -17407,7 +17408,7 @@
         </p:nvGrpSpPr>
         <p:grpSpPr>
           <a:xfrm>
-            <a:off x="1313122" y="1497099"/>
+            <a:off x="1261621" y="1283999"/>
             <a:ext cx="6810153" cy="4688728"/>
             <a:chOff x="887819" y="1377146"/>
             <a:chExt cx="6810153" cy="4688728"/>
@@ -17596,7 +17597,7 @@
           </p:nvSpPr>
           <p:spPr>
             <a:xfrm>
-              <a:off x="2752306" y="3426173"/>
+              <a:off x="2932256" y="4679375"/>
               <a:ext cx="1167993" cy="1167901"/>
             </a:xfrm>
             <a:prstGeom prst="ellipse">
@@ -17783,7 +17784,7 @@
           </p:nvSpPr>
           <p:spPr>
             <a:xfrm>
-              <a:off x="2057654" y="2485026"/>
+              <a:off x="1296567" y="5029429"/>
               <a:ext cx="764514" cy="784363"/>
             </a:xfrm>
             <a:prstGeom prst="ellipse">
@@ -17826,6 +17827,13 @@
               <a:schemeClr val="lt1"/>
             </a:fontRef>
           </p:style>
+          <p:txBody>
+            <a:bodyPr/>
+            <a:lstStyle/>
+            <a:p>
+              <a:endParaRPr lang="en-US" dirty="0"/>
+            </a:p>
+          </p:txBody>
         </p:sp>
       </p:grpSp>
       <p:grpSp>
@@ -18089,6 +18097,429 @@
 </file>
 
 <file path=ppt/slides/slide28.xml><?xml version="1.0" encoding="utf-8"?>
+<p:sld xmlns:a="http://schemas.openxmlformats.org/drawingml/2006/main" xmlns:r="http://schemas.openxmlformats.org/officeDocument/2006/relationships" xmlns:p="http://schemas.openxmlformats.org/presentationml/2006/main">
+  <p:cSld>
+    <p:spTree>
+      <p:nvGrpSpPr>
+        <p:cNvPr id="1" name=""/>
+        <p:cNvGrpSpPr/>
+        <p:nvPr/>
+      </p:nvGrpSpPr>
+      <p:grpSpPr>
+        <a:xfrm>
+          <a:off x="0" y="0"/>
+          <a:ext cx="0" cy="0"/>
+          <a:chOff x="0" y="0"/>
+          <a:chExt cx="0" cy="0"/>
+        </a:xfrm>
+      </p:grpSpPr>
+      <p:grpSp>
+        <p:nvGrpSpPr>
+          <p:cNvPr id="2" name="Group 1">
+            <a:extLst>
+              <a:ext uri="{FF2B5EF4-FFF2-40B4-BE49-F238E27FC236}">
+                <a16:creationId xmlns:a16="http://schemas.microsoft.com/office/drawing/2014/main" id="{4CF61EE4-E7A2-6B86-1316-3B9B69D88FA6}"/>
+              </a:ext>
+            </a:extLst>
+          </p:cNvPr>
+          <p:cNvGrpSpPr/>
+          <p:nvPr/>
+        </p:nvGrpSpPr>
+        <p:grpSpPr>
+          <a:xfrm>
+            <a:off x="0" y="0"/>
+            <a:ext cx="12191999" cy="6858000"/>
+            <a:chOff x="0" y="1"/>
+            <a:chExt cx="12207310" cy="6857999"/>
+          </a:xfrm>
+        </p:grpSpPr>
+        <p:sp>
+          <p:nvSpPr>
+            <p:cNvPr id="6" name="Arrow: Pentagon 5">
+              <a:extLst>
+                <a:ext uri="{FF2B5EF4-FFF2-40B4-BE49-F238E27FC236}">
+                  <a16:creationId xmlns:a16="http://schemas.microsoft.com/office/drawing/2014/main" id="{AFA82373-78C4-4C28-D50E-AA4248D2A0B5}"/>
+                </a:ext>
+              </a:extLst>
+            </p:cNvPr>
+            <p:cNvSpPr/>
+            <p:nvPr/>
+          </p:nvSpPr>
+          <p:spPr>
+            <a:xfrm rot="5400000">
+              <a:off x="-3328859" y="3328861"/>
+              <a:ext cx="6857998" cy="200280"/>
+            </a:xfrm>
+            <a:prstGeom prst="homePlate">
+              <a:avLst>
+                <a:gd name="adj" fmla="val 1168"/>
+              </a:avLst>
+            </a:prstGeom>
+            <a:gradFill flip="none" rotWithShape="1">
+              <a:gsLst>
+                <a:gs pos="0">
+                  <a:schemeClr val="accent3">
+                    <a:lumMod val="40000"/>
+                    <a:lumOff val="60000"/>
+                  </a:schemeClr>
+                </a:gs>
+                <a:gs pos="46000">
+                  <a:schemeClr val="accent3">
+                    <a:lumMod val="95000"/>
+                    <a:lumOff val="5000"/>
+                  </a:schemeClr>
+                </a:gs>
+                <a:gs pos="100000">
+                  <a:schemeClr val="accent3">
+                    <a:lumMod val="60000"/>
+                  </a:schemeClr>
+                </a:gs>
+              </a:gsLst>
+              <a:path path="circle">
+                <a:fillToRect l="50000" t="130000" r="50000" b="-30000"/>
+              </a:path>
+              <a:tileRect/>
+            </a:gradFill>
+            <a:ln>
+              <a:noFill/>
+            </a:ln>
+          </p:spPr>
+          <p:style>
+            <a:lnRef idx="2">
+              <a:schemeClr val="accent1">
+                <a:shade val="50000"/>
+              </a:schemeClr>
+            </a:lnRef>
+            <a:fillRef idx="1">
+              <a:schemeClr val="accent1"/>
+            </a:fillRef>
+            <a:effectRef idx="0">
+              <a:schemeClr val="accent1"/>
+            </a:effectRef>
+            <a:fontRef idx="minor">
+              <a:schemeClr val="lt1"/>
+            </a:fontRef>
+          </p:style>
+          <p:txBody>
+            <a:bodyPr rtlCol="0" anchor="ctr"/>
+            <a:lstStyle/>
+            <a:p>
+              <a:pPr algn="ctr"/>
+              <a:endParaRPr lang="en-US" sz="375" dirty="0"/>
+            </a:p>
+          </p:txBody>
+        </p:sp>
+        <p:sp>
+          <p:nvSpPr>
+            <p:cNvPr id="7" name="Arrow: Pentagon 6">
+              <a:extLst>
+                <a:ext uri="{FF2B5EF4-FFF2-40B4-BE49-F238E27FC236}">
+                  <a16:creationId xmlns:a16="http://schemas.microsoft.com/office/drawing/2014/main" id="{0A974EEF-EEE5-EE45-DB1E-8B2D7A6FA275}"/>
+                </a:ext>
+              </a:extLst>
+            </p:cNvPr>
+            <p:cNvSpPr/>
+            <p:nvPr/>
+          </p:nvSpPr>
+          <p:spPr>
+            <a:xfrm rot="5400000">
+              <a:off x="8678171" y="3328861"/>
+              <a:ext cx="6857998" cy="200280"/>
+            </a:xfrm>
+            <a:prstGeom prst="homePlate">
+              <a:avLst>
+                <a:gd name="adj" fmla="val 1168"/>
+              </a:avLst>
+            </a:prstGeom>
+            <a:gradFill flip="none" rotWithShape="1">
+              <a:gsLst>
+                <a:gs pos="0">
+                  <a:schemeClr val="accent3">
+                    <a:lumMod val="40000"/>
+                    <a:lumOff val="60000"/>
+                  </a:schemeClr>
+                </a:gs>
+                <a:gs pos="46000">
+                  <a:schemeClr val="accent3">
+                    <a:lumMod val="95000"/>
+                    <a:lumOff val="5000"/>
+                  </a:schemeClr>
+                </a:gs>
+                <a:gs pos="100000">
+                  <a:schemeClr val="accent3">
+                    <a:lumMod val="60000"/>
+                  </a:schemeClr>
+                </a:gs>
+              </a:gsLst>
+              <a:path path="circle">
+                <a:fillToRect l="50000" t="130000" r="50000" b="-30000"/>
+              </a:path>
+              <a:tileRect/>
+            </a:gradFill>
+            <a:ln>
+              <a:noFill/>
+            </a:ln>
+          </p:spPr>
+          <p:style>
+            <a:lnRef idx="2">
+              <a:schemeClr val="accent1">
+                <a:shade val="50000"/>
+              </a:schemeClr>
+            </a:lnRef>
+            <a:fillRef idx="1">
+              <a:schemeClr val="accent1"/>
+            </a:fillRef>
+            <a:effectRef idx="0">
+              <a:schemeClr val="accent1"/>
+            </a:effectRef>
+            <a:fontRef idx="minor">
+              <a:schemeClr val="lt1"/>
+            </a:fontRef>
+          </p:style>
+          <p:txBody>
+            <a:bodyPr rtlCol="0" anchor="ctr"/>
+            <a:lstStyle/>
+            <a:p>
+              <a:pPr algn="ctr"/>
+              <a:endParaRPr lang="en-US" sz="375" dirty="0"/>
+            </a:p>
+          </p:txBody>
+        </p:sp>
+        <p:sp>
+          <p:nvSpPr>
+            <p:cNvPr id="8" name="Arrow: Pentagon 7">
+              <a:extLst>
+                <a:ext uri="{FF2B5EF4-FFF2-40B4-BE49-F238E27FC236}">
+                  <a16:creationId xmlns:a16="http://schemas.microsoft.com/office/drawing/2014/main" id="{9BFB7247-B664-1E80-9A13-D605901FDE02}"/>
+                </a:ext>
+              </a:extLst>
+            </p:cNvPr>
+            <p:cNvSpPr/>
+            <p:nvPr/>
+          </p:nvSpPr>
+          <p:spPr>
+            <a:xfrm>
+              <a:off x="200279" y="1"/>
+              <a:ext cx="11907257" cy="231354"/>
+            </a:xfrm>
+            <a:prstGeom prst="homePlate">
+              <a:avLst>
+                <a:gd name="adj" fmla="val 1168"/>
+              </a:avLst>
+            </a:prstGeom>
+            <a:gradFill flip="none" rotWithShape="1">
+              <a:gsLst>
+                <a:gs pos="0">
+                  <a:schemeClr val="accent3">
+                    <a:lumMod val="40000"/>
+                    <a:lumOff val="60000"/>
+                  </a:schemeClr>
+                </a:gs>
+                <a:gs pos="46000">
+                  <a:schemeClr val="accent3">
+                    <a:lumMod val="95000"/>
+                    <a:lumOff val="5000"/>
+                  </a:schemeClr>
+                </a:gs>
+                <a:gs pos="100000">
+                  <a:schemeClr val="accent3">
+                    <a:lumMod val="60000"/>
+                  </a:schemeClr>
+                </a:gs>
+              </a:gsLst>
+              <a:path path="circle">
+                <a:fillToRect l="50000" t="130000" r="50000" b="-30000"/>
+              </a:path>
+              <a:tileRect/>
+            </a:gradFill>
+            <a:ln>
+              <a:noFill/>
+            </a:ln>
+          </p:spPr>
+          <p:style>
+            <a:lnRef idx="2">
+              <a:schemeClr val="accent1">
+                <a:shade val="50000"/>
+              </a:schemeClr>
+            </a:lnRef>
+            <a:fillRef idx="1">
+              <a:schemeClr val="accent1"/>
+            </a:fillRef>
+            <a:effectRef idx="0">
+              <a:schemeClr val="accent1"/>
+            </a:effectRef>
+            <a:fontRef idx="minor">
+              <a:schemeClr val="lt1"/>
+            </a:fontRef>
+          </p:style>
+          <p:txBody>
+            <a:bodyPr rtlCol="0" anchor="ctr"/>
+            <a:lstStyle/>
+            <a:p>
+              <a:pPr algn="ctr"/>
+              <a:endParaRPr lang="en-US" sz="375" dirty="0"/>
+            </a:p>
+          </p:txBody>
+        </p:sp>
+        <p:sp>
+          <p:nvSpPr>
+            <p:cNvPr id="9" name="Arrow: Pentagon 8">
+              <a:extLst>
+                <a:ext uri="{FF2B5EF4-FFF2-40B4-BE49-F238E27FC236}">
+                  <a16:creationId xmlns:a16="http://schemas.microsoft.com/office/drawing/2014/main" id="{1C19C0B5-96E1-2C95-8F7E-1CC95C022203}"/>
+                </a:ext>
+              </a:extLst>
+            </p:cNvPr>
+            <p:cNvSpPr/>
+            <p:nvPr/>
+          </p:nvSpPr>
+          <p:spPr>
+            <a:xfrm>
+              <a:off x="200279" y="6626644"/>
+              <a:ext cx="11907257" cy="231354"/>
+            </a:xfrm>
+            <a:prstGeom prst="homePlate">
+              <a:avLst>
+                <a:gd name="adj" fmla="val 1168"/>
+              </a:avLst>
+            </a:prstGeom>
+            <a:gradFill flip="none" rotWithShape="1">
+              <a:gsLst>
+                <a:gs pos="0">
+                  <a:schemeClr val="accent3">
+                    <a:lumMod val="40000"/>
+                    <a:lumOff val="60000"/>
+                  </a:schemeClr>
+                </a:gs>
+                <a:gs pos="46000">
+                  <a:schemeClr val="accent3">
+                    <a:lumMod val="95000"/>
+                    <a:lumOff val="5000"/>
+                  </a:schemeClr>
+                </a:gs>
+                <a:gs pos="100000">
+                  <a:schemeClr val="accent3">
+                    <a:lumMod val="60000"/>
+                  </a:schemeClr>
+                </a:gs>
+              </a:gsLst>
+              <a:path path="circle">
+                <a:fillToRect l="50000" t="130000" r="50000" b="-30000"/>
+              </a:path>
+              <a:tileRect/>
+            </a:gradFill>
+            <a:ln>
+              <a:noFill/>
+            </a:ln>
+          </p:spPr>
+          <p:style>
+            <a:lnRef idx="2">
+              <a:schemeClr val="accent1">
+                <a:shade val="50000"/>
+              </a:schemeClr>
+            </a:lnRef>
+            <a:fillRef idx="1">
+              <a:schemeClr val="accent1"/>
+            </a:fillRef>
+            <a:effectRef idx="0">
+              <a:schemeClr val="accent1"/>
+            </a:effectRef>
+            <a:fontRef idx="minor">
+              <a:schemeClr val="lt1"/>
+            </a:fontRef>
+          </p:style>
+          <p:txBody>
+            <a:bodyPr rtlCol="0" anchor="ctr"/>
+            <a:lstStyle/>
+            <a:p>
+              <a:pPr algn="ctr"/>
+              <a:endParaRPr lang="en-US" sz="375" dirty="0"/>
+            </a:p>
+          </p:txBody>
+        </p:sp>
+      </p:grpSp>
+      <p:sp>
+        <p:nvSpPr>
+          <p:cNvPr id="31" name="TextBox 30">
+            <a:extLst>
+              <a:ext uri="{FF2B5EF4-FFF2-40B4-BE49-F238E27FC236}">
+                <a16:creationId xmlns:a16="http://schemas.microsoft.com/office/drawing/2014/main" id="{3808D818-8E7C-800C-9C15-D767F2941C42}"/>
+              </a:ext>
+            </a:extLst>
+          </p:cNvPr>
+          <p:cNvSpPr txBox="1"/>
+          <p:nvPr/>
+        </p:nvSpPr>
+        <p:spPr>
+          <a:xfrm>
+            <a:off x="2346425" y="357948"/>
+            <a:ext cx="7499149" cy="523220"/>
+          </a:xfrm>
+          <a:prstGeom prst="rect">
+            <a:avLst/>
+          </a:prstGeom>
+          <a:noFill/>
+        </p:spPr>
+        <p:txBody>
+          <a:bodyPr wrap="square" rtlCol="0">
+            <a:spAutoFit/>
+          </a:bodyPr>
+          <a:lstStyle/>
+          <a:p>
+            <a:r>
+              <a:rPr lang="en-US" sz="2800" b="1" dirty="0">
+                <a:latin typeface="Arial" panose="020B0604020202020204" pitchFamily="34" charset="0"/>
+                <a:cs typeface="Arial" panose="020B0604020202020204" pitchFamily="34" charset="0"/>
+              </a:rPr>
+              <a:t>Multidimensional Direct Search Methods</a:t>
+            </a:r>
+          </a:p>
+        </p:txBody>
+      </p:sp>
+      <p:pic>
+        <p:nvPicPr>
+          <p:cNvPr id="4" name="Picture 3">
+            <a:extLst>
+              <a:ext uri="{FF2B5EF4-FFF2-40B4-BE49-F238E27FC236}">
+                <a16:creationId xmlns:a16="http://schemas.microsoft.com/office/drawing/2014/main" id="{9AF7516F-4726-49C0-904E-3FDB28957188}"/>
+              </a:ext>
+            </a:extLst>
+          </p:cNvPr>
+          <p:cNvPicPr>
+            <a:picLocks noChangeAspect="1"/>
+          </p:cNvPicPr>
+          <p:nvPr/>
+        </p:nvPicPr>
+        <p:blipFill>
+          <a:blip r:embed="rId2"/>
+          <a:stretch>
+            <a:fillRect/>
+          </a:stretch>
+        </p:blipFill>
+        <p:spPr>
+          <a:xfrm>
+            <a:off x="2134377" y="1469258"/>
+            <a:ext cx="7268241" cy="4307686"/>
+          </a:xfrm>
+          <a:prstGeom prst="rect">
+            <a:avLst/>
+          </a:prstGeom>
+        </p:spPr>
+      </p:pic>
+    </p:spTree>
+    <p:extLst>
+      <p:ext uri="{BB962C8B-B14F-4D97-AF65-F5344CB8AC3E}">
+        <p14:creationId xmlns:p14="http://schemas.microsoft.com/office/powerpoint/2010/main" val="759622278"/>
+      </p:ext>
+    </p:extLst>
+  </p:cSld>
+  <p:clrMapOvr>
+    <a:masterClrMapping/>
+  </p:clrMapOvr>
+</p:sld>
+</file>
+
+<file path=ppt/slides/slide29.xml><?xml version="1.0" encoding="utf-8"?>
 <p:sld xmlns:a="http://schemas.openxmlformats.org/drawingml/2006/main" xmlns:r="http://schemas.openxmlformats.org/officeDocument/2006/relationships" xmlns:p="http://schemas.openxmlformats.org/presentationml/2006/main">
   <p:cSld>
     <p:spTree>

--- a/2022-Scipy_presentation.pptx
+++ b/2022-Scipy_presentation.pptx
@@ -18478,10 +18478,10 @@
       </p:sp>
       <p:pic>
         <p:nvPicPr>
-          <p:cNvPr id="4" name="Picture 3">
+          <p:cNvPr id="12" name="Picture 11">
             <a:extLst>
               <a:ext uri="{FF2B5EF4-FFF2-40B4-BE49-F238E27FC236}">
-                <a16:creationId xmlns:a16="http://schemas.microsoft.com/office/drawing/2014/main" id="{9AF7516F-4726-49C0-904E-3FDB28957188}"/>
+                <a16:creationId xmlns:a16="http://schemas.microsoft.com/office/drawing/2014/main" id="{488B94EA-351B-DF7D-27C2-3031B0B72896}"/>
               </a:ext>
             </a:extLst>
           </p:cNvPr>
@@ -18498,8 +18498,8 @@
         </p:blipFill>
         <p:spPr>
           <a:xfrm>
-            <a:off x="2134377" y="1469258"/>
-            <a:ext cx="7268241" cy="4307686"/>
+            <a:off x="2823156" y="1629430"/>
+            <a:ext cx="5644573" cy="3317424"/>
           </a:xfrm>
           <a:prstGeom prst="rect">
             <a:avLst/>
